--- a/docs/diagrams/LogicCommandBankPackage.pptx
+++ b/docs/diagrams/LogicCommandBankPackage.pptx
@@ -261,7 +261,7 @@
           <a:p>
             <a:fld id="{E1F5E2C2-3E2F-E344-A488-DA00C8D23224}" type="datetimeFigureOut">
               <a:rPr lang="en-US" smtClean="0"/>
-              <a:t>10/23/2019</a:t>
+              <a:t>10/31/19</a:t>
             </a:fld>
             <a:endParaRPr lang="en-US"/>
           </a:p>
@@ -461,7 +461,7 @@
           <a:p>
             <a:fld id="{E1F5E2C2-3E2F-E344-A488-DA00C8D23224}" type="datetimeFigureOut">
               <a:rPr lang="en-US" smtClean="0"/>
-              <a:t>10/23/2019</a:t>
+              <a:t>10/31/19</a:t>
             </a:fld>
             <a:endParaRPr lang="en-US"/>
           </a:p>
@@ -671,7 +671,7 @@
           <a:p>
             <a:fld id="{E1F5E2C2-3E2F-E344-A488-DA00C8D23224}" type="datetimeFigureOut">
               <a:rPr lang="en-US" smtClean="0"/>
-              <a:t>10/23/2019</a:t>
+              <a:t>10/31/19</a:t>
             </a:fld>
             <a:endParaRPr lang="en-US"/>
           </a:p>
@@ -871,7 +871,7 @@
           <a:p>
             <a:fld id="{E1F5E2C2-3E2F-E344-A488-DA00C8D23224}" type="datetimeFigureOut">
               <a:rPr lang="en-US" smtClean="0"/>
-              <a:t>10/23/2019</a:t>
+              <a:t>10/31/19</a:t>
             </a:fld>
             <a:endParaRPr lang="en-US"/>
           </a:p>
@@ -1147,7 +1147,7 @@
           <a:p>
             <a:fld id="{E1F5E2C2-3E2F-E344-A488-DA00C8D23224}" type="datetimeFigureOut">
               <a:rPr lang="en-US" smtClean="0"/>
-              <a:t>10/23/2019</a:t>
+              <a:t>10/31/19</a:t>
             </a:fld>
             <a:endParaRPr lang="en-US"/>
           </a:p>
@@ -1415,7 +1415,7 @@
           <a:p>
             <a:fld id="{E1F5E2C2-3E2F-E344-A488-DA00C8D23224}" type="datetimeFigureOut">
               <a:rPr lang="en-US" smtClean="0"/>
-              <a:t>10/23/2019</a:t>
+              <a:t>10/31/19</a:t>
             </a:fld>
             <a:endParaRPr lang="en-US"/>
           </a:p>
@@ -1830,7 +1830,7 @@
           <a:p>
             <a:fld id="{E1F5E2C2-3E2F-E344-A488-DA00C8D23224}" type="datetimeFigureOut">
               <a:rPr lang="en-US" smtClean="0"/>
-              <a:t>10/23/2019</a:t>
+              <a:t>10/31/19</a:t>
             </a:fld>
             <a:endParaRPr lang="en-US"/>
           </a:p>
@@ -1972,7 +1972,7 @@
           <a:p>
             <a:fld id="{E1F5E2C2-3E2F-E344-A488-DA00C8D23224}" type="datetimeFigureOut">
               <a:rPr lang="en-US" smtClean="0"/>
-              <a:t>10/23/2019</a:t>
+              <a:t>10/31/19</a:t>
             </a:fld>
             <a:endParaRPr lang="en-US"/>
           </a:p>
@@ -2085,7 +2085,7 @@
           <a:p>
             <a:fld id="{E1F5E2C2-3E2F-E344-A488-DA00C8D23224}" type="datetimeFigureOut">
               <a:rPr lang="en-US" smtClean="0"/>
-              <a:t>10/23/2019</a:t>
+              <a:t>10/31/19</a:t>
             </a:fld>
             <a:endParaRPr lang="en-US"/>
           </a:p>
@@ -2398,7 +2398,7 @@
           <a:p>
             <a:fld id="{E1F5E2C2-3E2F-E344-A488-DA00C8D23224}" type="datetimeFigureOut">
               <a:rPr lang="en-US" smtClean="0"/>
-              <a:t>10/23/2019</a:t>
+              <a:t>10/31/19</a:t>
             </a:fld>
             <a:endParaRPr lang="en-US"/>
           </a:p>
@@ -2687,7 +2687,7 @@
           <a:p>
             <a:fld id="{E1F5E2C2-3E2F-E344-A488-DA00C8D23224}" type="datetimeFigureOut">
               <a:rPr lang="en-US" smtClean="0"/>
-              <a:t>10/23/2019</a:t>
+              <a:t>10/31/19</a:t>
             </a:fld>
             <a:endParaRPr lang="en-US"/>
           </a:p>
@@ -2930,7 +2930,7 @@
           <a:p>
             <a:fld id="{E1F5E2C2-3E2F-E344-A488-DA00C8D23224}" type="datetimeFigureOut">
               <a:rPr lang="en-US" smtClean="0"/>
-              <a:t>10/23/2019</a:t>
+              <a:t>10/31/19</a:t>
             </a:fld>
             <a:endParaRPr lang="en-US"/>
           </a:p>
@@ -3349,10 +3349,10 @@
       </p:grpSpPr>
       <p:grpSp>
         <p:nvGrpSpPr>
-          <p:cNvPr id="5" name="Group 4">
-            <a:extLst>
-              <a:ext uri="{FF2B5EF4-FFF2-40B4-BE49-F238E27FC236}">
-                <a16:creationId xmlns:a16="http://schemas.microsoft.com/office/drawing/2014/main" id="{A56F80A6-E378-A442-9412-53E0B2607508}"/>
+          <p:cNvPr id="81" name="Group 80">
+            <a:extLst>
+              <a:ext uri="{FF2B5EF4-FFF2-40B4-BE49-F238E27FC236}">
+                <a16:creationId xmlns:a16="http://schemas.microsoft.com/office/drawing/2014/main" id="{171EC49F-9E43-AB4C-8958-291FE92204A4}"/>
               </a:ext>
             </a:extLst>
           </p:cNvPr>
@@ -3361,18 +3361,18 @@
         </p:nvGrpSpPr>
         <p:grpSpPr>
           <a:xfrm>
-            <a:off x="383233" y="183675"/>
-            <a:ext cx="16528167" cy="6346520"/>
+            <a:off x="393260" y="255740"/>
+            <a:ext cx="11405480" cy="6346520"/>
             <a:chOff x="383233" y="183675"/>
-            <a:chExt cx="16528167" cy="6346520"/>
+            <a:chExt cx="11405480" cy="6346520"/>
           </a:xfrm>
         </p:grpSpPr>
         <p:sp>
           <p:nvSpPr>
-            <p:cNvPr id="6" name="Rounded Rectangle 145">
+            <p:cNvPr id="82" name="Rounded Rectangle 145">
               <a:extLst>
                 <a:ext uri="{FF2B5EF4-FFF2-40B4-BE49-F238E27FC236}">
-                  <a16:creationId xmlns:a16="http://schemas.microsoft.com/office/drawing/2014/main" id="{989272E5-5E4D-B244-B8CA-205635462295}"/>
+                  <a16:creationId xmlns:a16="http://schemas.microsoft.com/office/drawing/2014/main" id="{3F720756-D6E2-2840-8333-F9A6C72AD5B1}"/>
                 </a:ext>
               </a:extLst>
             </p:cNvPr>
@@ -3432,178 +3432,10 @@
         </p:sp>
         <p:sp>
           <p:nvSpPr>
-            <p:cNvPr id="7" name="TextBox 6">
+            <p:cNvPr id="83" name="Rounded Rectangle 14">
               <a:extLst>
                 <a:ext uri="{FF2B5EF4-FFF2-40B4-BE49-F238E27FC236}">
-                  <a16:creationId xmlns:a16="http://schemas.microsoft.com/office/drawing/2014/main" id="{D53A8186-82D5-8340-8DE8-E25A0615971B}"/>
-                </a:ext>
-              </a:extLst>
-            </p:cNvPr>
-            <p:cNvSpPr txBox="1"/>
-            <p:nvPr/>
-          </p:nvSpPr>
-          <p:spPr>
-            <a:xfrm>
-              <a:off x="1303421" y="248117"/>
-              <a:ext cx="3175678" cy="369332"/>
-            </a:xfrm>
-            <a:prstGeom prst="rect">
-              <a:avLst/>
-            </a:prstGeom>
-            <a:noFill/>
-          </p:spPr>
-          <p:txBody>
-            <a:bodyPr wrap="none" rtlCol="0" anchor="t">
-              <a:spAutoFit/>
-            </a:bodyPr>
-            <a:lstStyle/>
-            <a:p>
-              <a:r>
-                <a:rPr lang="en-US" b="1" dirty="0"/>
-                <a:t>Logic, Command, Bank Package</a:t>
-              </a:r>
-            </a:p>
-          </p:txBody>
-        </p:sp>
-        <p:sp>
-          <p:nvSpPr>
-            <p:cNvPr id="8" name="Rounded Rectangle 144">
-              <a:extLst>
-                <a:ext uri="{FF2B5EF4-FFF2-40B4-BE49-F238E27FC236}">
-                  <a16:creationId xmlns:a16="http://schemas.microsoft.com/office/drawing/2014/main" id="{53D6F719-CE21-6A42-8EA5-2B201B391BAD}"/>
-                </a:ext>
-              </a:extLst>
-            </p:cNvPr>
-            <p:cNvSpPr/>
-            <p:nvPr/>
-          </p:nvSpPr>
-          <p:spPr>
-            <a:xfrm>
-              <a:off x="1303421" y="6000533"/>
-              <a:ext cx="10483775" cy="529662"/>
-            </a:xfrm>
-            <a:prstGeom prst="roundRect">
-              <a:avLst/>
-            </a:prstGeom>
-            <a:solidFill>
-              <a:schemeClr val="accent5">
-                <a:lumMod val="60000"/>
-                <a:lumOff val="40000"/>
-              </a:schemeClr>
-            </a:solidFill>
-            <a:ln>
-              <a:noFill/>
-            </a:ln>
-          </p:spPr>
-          <p:style>
-            <a:lnRef idx="2">
-              <a:schemeClr val="accent1">
-                <a:shade val="50000"/>
-              </a:schemeClr>
-            </a:lnRef>
-            <a:fillRef idx="1">
-              <a:schemeClr val="accent1"/>
-            </a:fillRef>
-            <a:effectRef idx="0">
-              <a:schemeClr val="accent1"/>
-            </a:effectRef>
-            <a:fontRef idx="minor">
-              <a:schemeClr val="lt1"/>
-            </a:fontRef>
-          </p:style>
-          <p:txBody>
-            <a:bodyPr rtlCol="0" anchor="ctr"/>
-            <a:lstStyle/>
-            <a:p>
-              <a:pPr algn="ctr"/>
-              <a:r>
-                <a:rPr lang="en-US" sz="1300" b="1">
-                  <a:solidFill>
-                    <a:schemeClr val="tx1"/>
-                  </a:solidFill>
-                  <a:latin typeface="Arial" panose="020B0604020202020204" pitchFamily="34" charset="0"/>
-                  <a:cs typeface="Arial" panose="020B0604020202020204" pitchFamily="34" charset="0"/>
-                </a:rPr>
-                <a:t>Model</a:t>
-              </a:r>
-            </a:p>
-          </p:txBody>
-        </p:sp>
-        <p:sp>
-          <p:nvSpPr>
-            <p:cNvPr id="9" name="Rounded Rectangle 12">
-              <a:extLst>
-                <a:ext uri="{FF2B5EF4-FFF2-40B4-BE49-F238E27FC236}">
-                  <a16:creationId xmlns:a16="http://schemas.microsoft.com/office/drawing/2014/main" id="{865BFB68-0BF9-7C47-A2F0-0F920376DA9F}"/>
-                </a:ext>
-              </a:extLst>
-            </p:cNvPr>
-            <p:cNvSpPr/>
-            <p:nvPr/>
-          </p:nvSpPr>
-          <p:spPr>
-            <a:xfrm rot="16200000">
-              <a:off x="-2045605" y="2712777"/>
-              <a:ext cx="5568378" cy="710702"/>
-            </a:xfrm>
-            <a:prstGeom prst="roundRect">
-              <a:avLst/>
-            </a:prstGeom>
-            <a:solidFill>
-              <a:schemeClr val="accent3">
-                <a:lumMod val="60000"/>
-                <a:lumOff val="40000"/>
-              </a:schemeClr>
-            </a:solidFill>
-            <a:ln>
-              <a:solidFill>
-                <a:schemeClr val="accent3">
-                  <a:lumMod val="60000"/>
-                  <a:lumOff val="40000"/>
-                </a:schemeClr>
-              </a:solidFill>
-            </a:ln>
-          </p:spPr>
-          <p:style>
-            <a:lnRef idx="2">
-              <a:schemeClr val="accent1">
-                <a:shade val="50000"/>
-              </a:schemeClr>
-            </a:lnRef>
-            <a:fillRef idx="1">
-              <a:schemeClr val="accent1"/>
-            </a:fillRef>
-            <a:effectRef idx="0">
-              <a:schemeClr val="accent1"/>
-            </a:effectRef>
-            <a:fontRef idx="minor">
-              <a:schemeClr val="lt1"/>
-            </a:fontRef>
-          </p:style>
-          <p:txBody>
-            <a:bodyPr rtlCol="0" anchor="ctr"/>
-            <a:lstStyle/>
-            <a:p>
-              <a:pPr algn="ctr"/>
-              <a:r>
-                <a:rPr lang="en-US" sz="1300" b="1">
-                  <a:solidFill>
-                    <a:schemeClr val="tx1"/>
-                  </a:solidFill>
-                  <a:latin typeface="Arial" panose="020B0604020202020204" pitchFamily="34" charset="0"/>
-                  <a:cs typeface="Arial" panose="020B0604020202020204" pitchFamily="34" charset="0"/>
-                </a:rPr>
-                <a:t>Main</a:t>
-              </a:r>
-            </a:p>
-          </p:txBody>
-        </p:sp>
-        <p:sp>
-          <p:nvSpPr>
-            <p:cNvPr id="10" name="Rounded Rectangle 14">
-              <a:extLst>
-                <a:ext uri="{FF2B5EF4-FFF2-40B4-BE49-F238E27FC236}">
-                  <a16:creationId xmlns:a16="http://schemas.microsoft.com/office/drawing/2014/main" id="{2CA668E5-6A6E-5E48-B5E7-9AA839370866}"/>
+                  <a16:creationId xmlns:a16="http://schemas.microsoft.com/office/drawing/2014/main" id="{BE77D2C8-3226-3F40-8E3D-BEBD2F7D0B16}"/>
                 </a:ext>
               </a:extLst>
             </p:cNvPr>
@@ -3678,10 +3510,10 @@
         </p:sp>
         <p:sp>
           <p:nvSpPr>
-            <p:cNvPr id="11" name="Rounded Rectangle 14">
+            <p:cNvPr id="84" name="Rounded Rectangle 14">
               <a:extLst>
                 <a:ext uri="{FF2B5EF4-FFF2-40B4-BE49-F238E27FC236}">
-                  <a16:creationId xmlns:a16="http://schemas.microsoft.com/office/drawing/2014/main" id="{5106495C-CFFE-AA4D-BD6F-F45E7F72F5BE}"/>
+                  <a16:creationId xmlns:a16="http://schemas.microsoft.com/office/drawing/2014/main" id="{F8E4657B-EF46-1E49-B71E-1666D79BEC31}"/>
                 </a:ext>
               </a:extLst>
             </p:cNvPr>
@@ -3690,8 +3522,8 @@
           </p:nvSpPr>
           <p:spPr>
             <a:xfrm>
-              <a:off x="2052844" y="3270164"/>
-              <a:ext cx="2076266" cy="327426"/>
+              <a:off x="1348182" y="2646683"/>
+              <a:ext cx="2076266" cy="355964"/>
             </a:xfrm>
             <a:prstGeom prst="roundRect">
               <a:avLst>
@@ -3729,7 +3561,7 @@
             <a:p>
               <a:pPr algn="ctr"/>
               <a:r>
-                <a:rPr lang="en-US" sz="1300" dirty="0" err="1">
+                <a:rPr lang="en-US" sz="1300">
                   <a:solidFill>
                     <a:schemeClr val="tx1"/>
                   </a:solidFill>
@@ -3738,7 +3570,7 @@
                 </a:rPr>
                 <a:t>AddInvestmentCommand</a:t>
               </a:r>
-              <a:endParaRPr lang="en-US" sz="1300" dirty="0">
+              <a:endParaRPr lang="en-US" sz="1300">
                 <a:solidFill>
                   <a:schemeClr val="tx1"/>
                 </a:solidFill>
@@ -3750,10 +3582,10 @@
         </p:sp>
         <p:sp>
           <p:nvSpPr>
-            <p:cNvPr id="12" name="Rounded Rectangle 14">
+            <p:cNvPr id="85" name="Rounded Rectangle 14">
               <a:extLst>
                 <a:ext uri="{FF2B5EF4-FFF2-40B4-BE49-F238E27FC236}">
-                  <a16:creationId xmlns:a16="http://schemas.microsoft.com/office/drawing/2014/main" id="{E263CFE3-BD97-CD43-B975-D9FB38E01528}"/>
+                  <a16:creationId xmlns:a16="http://schemas.microsoft.com/office/drawing/2014/main" id="{982BA562-37A2-FC42-803F-4CFE243A63B4}"/>
                 </a:ext>
               </a:extLst>
             </p:cNvPr>
@@ -3762,7 +3594,7 @@
           </p:nvSpPr>
           <p:spPr>
             <a:xfrm>
-              <a:off x="6961732" y="3222707"/>
+              <a:off x="3856098" y="2631613"/>
               <a:ext cx="2316898" cy="376016"/>
             </a:xfrm>
             <a:prstGeom prst="roundRect">
@@ -3801,7 +3633,7 @@
             <a:p>
               <a:pPr algn="ctr"/>
               <a:r>
-                <a:rPr lang="en-US" sz="1300" dirty="0" err="1">
+                <a:rPr lang="en-US" sz="1300">
                   <a:solidFill>
                     <a:schemeClr val="tx1"/>
                   </a:solidFill>
@@ -3810,7 +3642,7 @@
                 </a:rPr>
                 <a:t>DeleteInvestmentCommand</a:t>
               </a:r>
-              <a:endParaRPr lang="en-US" sz="1300" dirty="0">
+              <a:endParaRPr lang="en-US" sz="1300">
                 <a:solidFill>
                   <a:schemeClr val="tx1"/>
                 </a:solidFill>
@@ -3822,10 +3654,10 @@
         </p:sp>
         <p:sp>
           <p:nvSpPr>
-            <p:cNvPr id="13" name="Rounded Rectangle 14">
+            <p:cNvPr id="86" name="Rounded Rectangle 14">
               <a:extLst>
                 <a:ext uri="{FF2B5EF4-FFF2-40B4-BE49-F238E27FC236}">
-                  <a16:creationId xmlns:a16="http://schemas.microsoft.com/office/drawing/2014/main" id="{7771FFF2-27B0-7E42-93C8-0CB40103C20A}"/>
+                  <a16:creationId xmlns:a16="http://schemas.microsoft.com/office/drawing/2014/main" id="{9118C7AE-448F-C54F-B2D3-81CD49976763}"/>
                 </a:ext>
               </a:extLst>
             </p:cNvPr>
@@ -3834,7 +3666,7 @@
           </p:nvSpPr>
           <p:spPr>
             <a:xfrm>
-              <a:off x="4005671" y="2678520"/>
+              <a:off x="6637532" y="2641640"/>
               <a:ext cx="1982688" cy="369332"/>
             </a:xfrm>
             <a:prstGeom prst="roundRect">
@@ -3873,7 +3705,7 @@
             <a:p>
               <a:pPr algn="ctr"/>
               <a:r>
-                <a:rPr lang="en-US" sz="1300" dirty="0" err="1">
+                <a:rPr lang="en-US" sz="1300">
                   <a:solidFill>
                     <a:schemeClr val="tx1"/>
                   </a:solidFill>
@@ -3882,7 +3714,7 @@
                 </a:rPr>
                 <a:t>EditSavingsCommand</a:t>
               </a:r>
-              <a:endParaRPr lang="en-US" sz="1300" dirty="0">
+              <a:endParaRPr lang="en-US" sz="1300">
                 <a:solidFill>
                   <a:schemeClr val="tx1"/>
                 </a:solidFill>
@@ -3894,10 +3726,10 @@
         </p:sp>
         <p:sp>
           <p:nvSpPr>
-            <p:cNvPr id="14" name="Rounded Rectangle 14">
+            <p:cNvPr id="87" name="Rounded Rectangle 14">
               <a:extLst>
                 <a:ext uri="{FF2B5EF4-FFF2-40B4-BE49-F238E27FC236}">
-                  <a16:creationId xmlns:a16="http://schemas.microsoft.com/office/drawing/2014/main" id="{18D0F0F2-742A-C849-8079-51902A974A6A}"/>
+                  <a16:creationId xmlns:a16="http://schemas.microsoft.com/office/drawing/2014/main" id="{CBE6FAA6-48F3-7E4E-80ED-64F44C9BB5DB}"/>
                 </a:ext>
               </a:extLst>
             </p:cNvPr>
@@ -3906,7 +3738,7 @@
           </p:nvSpPr>
           <p:spPr>
             <a:xfrm>
-              <a:off x="6666591" y="2628080"/>
+              <a:off x="9019518" y="2628080"/>
               <a:ext cx="2103003" cy="382700"/>
             </a:xfrm>
             <a:prstGeom prst="roundRect">
@@ -3966,10 +3798,10 @@
         </p:sp>
         <p:sp>
           <p:nvSpPr>
-            <p:cNvPr id="15" name="Triangle 55">
+            <p:cNvPr id="88" name="Rounded Rectangle 14">
               <a:extLst>
                 <a:ext uri="{FF2B5EF4-FFF2-40B4-BE49-F238E27FC236}">
-                  <a16:creationId xmlns:a16="http://schemas.microsoft.com/office/drawing/2014/main" id="{FBD29E10-1E93-114D-885B-D688E0DD7E81}"/>
+                  <a16:creationId xmlns:a16="http://schemas.microsoft.com/office/drawing/2014/main" id="{44E7FC37-9283-4D44-9300-10D5E245A6DB}"/>
                 </a:ext>
               </a:extLst>
             </p:cNvPr>
@@ -3978,381 +3810,7 @@
           </p:nvSpPr>
           <p:spPr>
             <a:xfrm>
-              <a:off x="6308935" y="1998031"/>
-              <a:ext cx="238306" cy="98868"/>
-            </a:xfrm>
-            <a:prstGeom prst="triangle">
-              <a:avLst/>
-            </a:prstGeom>
-            <a:noFill/>
-            <a:ln>
-              <a:solidFill>
-                <a:srgbClr val="FFC000"/>
-              </a:solidFill>
-            </a:ln>
-          </p:spPr>
-          <p:style>
-            <a:lnRef idx="2">
-              <a:schemeClr val="accent1">
-                <a:shade val="50000"/>
-              </a:schemeClr>
-            </a:lnRef>
-            <a:fillRef idx="1">
-              <a:schemeClr val="accent1"/>
-            </a:fillRef>
-            <a:effectRef idx="0">
-              <a:schemeClr val="accent1"/>
-            </a:effectRef>
-            <a:fontRef idx="minor">
-              <a:schemeClr val="lt1"/>
-            </a:fontRef>
-          </p:style>
-          <p:txBody>
-            <a:bodyPr rtlCol="0" anchor="ctr"/>
-            <a:lstStyle/>
-            <a:p>
-              <a:pPr algn="ctr"/>
-              <a:endParaRPr lang="en-US" sz="1300">
-                <a:latin typeface="Arial" panose="020B0604020202020204" pitchFamily="34" charset="0"/>
-                <a:cs typeface="Arial" panose="020B0604020202020204" pitchFamily="34" charset="0"/>
-              </a:endParaRPr>
-            </a:p>
-          </p:txBody>
-        </p:sp>
-        <p:cxnSp>
-          <p:nvCxnSpPr>
-            <p:cNvPr id="16" name="Straight Connector 15">
-              <a:extLst>
-                <a:ext uri="{FF2B5EF4-FFF2-40B4-BE49-F238E27FC236}">
-                  <a16:creationId xmlns:a16="http://schemas.microsoft.com/office/drawing/2014/main" id="{F138A793-E3B6-274D-BE59-1C5DA4095EE5}"/>
-                </a:ext>
-              </a:extLst>
-            </p:cNvPr>
-            <p:cNvCxnSpPr>
-              <a:cxnSpLocks/>
-            </p:cNvCxnSpPr>
-            <p:nvPr/>
-          </p:nvCxnSpPr>
-          <p:spPr>
-            <a:xfrm flipV="1">
-              <a:off x="1671106" y="2273739"/>
-              <a:ext cx="9730071" cy="26737"/>
-            </a:xfrm>
-            <a:prstGeom prst="line">
-              <a:avLst/>
-            </a:prstGeom>
-          </p:spPr>
-          <p:style>
-            <a:lnRef idx="1">
-              <a:schemeClr val="accent4"/>
-            </a:lnRef>
-            <a:fillRef idx="0">
-              <a:schemeClr val="accent4"/>
-            </a:fillRef>
-            <a:effectRef idx="0">
-              <a:schemeClr val="accent4"/>
-            </a:effectRef>
-            <a:fontRef idx="minor">
-              <a:schemeClr val="tx1"/>
-            </a:fontRef>
-          </p:style>
-        </p:cxnSp>
-        <p:cxnSp>
-          <p:nvCxnSpPr>
-            <p:cNvPr id="17" name="Straight Connector 16">
-              <a:extLst>
-                <a:ext uri="{FF2B5EF4-FFF2-40B4-BE49-F238E27FC236}">
-                  <a16:creationId xmlns:a16="http://schemas.microsoft.com/office/drawing/2014/main" id="{3103CE47-6E42-8248-B8BE-77CE07638149}"/>
-                </a:ext>
-              </a:extLst>
-            </p:cNvPr>
-            <p:cNvCxnSpPr>
-              <a:cxnSpLocks/>
-              <a:endCxn id="15" idx="3"/>
-            </p:cNvCxnSpPr>
-            <p:nvPr/>
-          </p:nvCxnSpPr>
-          <p:spPr>
-            <a:xfrm flipV="1">
-              <a:off x="6428088" y="2096899"/>
-              <a:ext cx="0" cy="164012"/>
-            </a:xfrm>
-            <a:prstGeom prst="line">
-              <a:avLst/>
-            </a:prstGeom>
-          </p:spPr>
-          <p:style>
-            <a:lnRef idx="1">
-              <a:schemeClr val="accent4"/>
-            </a:lnRef>
-            <a:fillRef idx="0">
-              <a:schemeClr val="accent4"/>
-            </a:fillRef>
-            <a:effectRef idx="0">
-              <a:schemeClr val="accent4"/>
-            </a:effectRef>
-            <a:fontRef idx="minor">
-              <a:schemeClr val="tx1"/>
-            </a:fontRef>
-          </p:style>
-        </p:cxnSp>
-        <p:cxnSp>
-          <p:nvCxnSpPr>
-            <p:cNvPr id="18" name="Straight Connector 17">
-              <a:extLst>
-                <a:ext uri="{FF2B5EF4-FFF2-40B4-BE49-F238E27FC236}">
-                  <a16:creationId xmlns:a16="http://schemas.microsoft.com/office/drawing/2014/main" id="{2FF02BF2-BB4C-F141-A557-53E712287628}"/>
-                </a:ext>
-              </a:extLst>
-            </p:cNvPr>
-            <p:cNvCxnSpPr>
-              <a:cxnSpLocks/>
-              <a:stCxn id="13" idx="0"/>
-            </p:cNvCxnSpPr>
-            <p:nvPr/>
-          </p:nvCxnSpPr>
-          <p:spPr>
-            <a:xfrm flipV="1">
-              <a:off x="11774915" y="4925523"/>
-              <a:ext cx="0" cy="381269"/>
-            </a:xfrm>
-            <a:prstGeom prst="line">
-              <a:avLst/>
-            </a:prstGeom>
-          </p:spPr>
-          <p:style>
-            <a:lnRef idx="1">
-              <a:schemeClr val="accent4"/>
-            </a:lnRef>
-            <a:fillRef idx="0">
-              <a:schemeClr val="accent4"/>
-            </a:fillRef>
-            <a:effectRef idx="0">
-              <a:schemeClr val="accent4"/>
-            </a:effectRef>
-            <a:fontRef idx="minor">
-              <a:schemeClr val="tx1"/>
-            </a:fontRef>
-          </p:style>
-        </p:cxnSp>
-        <p:cxnSp>
-          <p:nvCxnSpPr>
-            <p:cNvPr id="19" name="Straight Connector 18">
-              <a:extLst>
-                <a:ext uri="{FF2B5EF4-FFF2-40B4-BE49-F238E27FC236}">
-                  <a16:creationId xmlns:a16="http://schemas.microsoft.com/office/drawing/2014/main" id="{BDBE0164-151A-8F4F-997E-D7DC3C3CACBA}"/>
-                </a:ext>
-              </a:extLst>
-            </p:cNvPr>
-            <p:cNvCxnSpPr>
-              <a:cxnSpLocks/>
-              <a:stCxn id="14" idx="0"/>
-            </p:cNvCxnSpPr>
-            <p:nvPr/>
-          </p:nvCxnSpPr>
-          <p:spPr>
-            <a:xfrm flipH="1" flipV="1">
-              <a:off x="16904715" y="4875084"/>
-              <a:ext cx="6685" cy="381076"/>
-            </a:xfrm>
-            <a:prstGeom prst="line">
-              <a:avLst/>
-            </a:prstGeom>
-          </p:spPr>
-          <p:style>
-            <a:lnRef idx="1">
-              <a:schemeClr val="accent4"/>
-            </a:lnRef>
-            <a:fillRef idx="0">
-              <a:schemeClr val="accent4"/>
-            </a:fillRef>
-            <a:effectRef idx="0">
-              <a:schemeClr val="accent4"/>
-            </a:effectRef>
-            <a:fontRef idx="minor">
-              <a:schemeClr val="tx1"/>
-            </a:fontRef>
-          </p:style>
-        </p:cxnSp>
-        <p:cxnSp>
-          <p:nvCxnSpPr>
-            <p:cNvPr id="20" name="Straight Connector 19">
-              <a:extLst>
-                <a:ext uri="{FF2B5EF4-FFF2-40B4-BE49-F238E27FC236}">
-                  <a16:creationId xmlns:a16="http://schemas.microsoft.com/office/drawing/2014/main" id="{479EC05E-B27E-884D-A873-FE691973299D}"/>
-                </a:ext>
-              </a:extLst>
-            </p:cNvPr>
-            <p:cNvCxnSpPr>
-              <a:cxnSpLocks/>
-            </p:cNvCxnSpPr>
-            <p:nvPr/>
-          </p:nvCxnSpPr>
-          <p:spPr>
-            <a:xfrm flipV="1">
-              <a:off x="1671106" y="4604045"/>
-              <a:ext cx="9706807" cy="47058"/>
-            </a:xfrm>
-            <a:prstGeom prst="line">
-              <a:avLst/>
-            </a:prstGeom>
-          </p:spPr>
-          <p:style>
-            <a:lnRef idx="1">
-              <a:schemeClr val="accent4"/>
-            </a:lnRef>
-            <a:fillRef idx="0">
-              <a:schemeClr val="accent4"/>
-            </a:fillRef>
-            <a:effectRef idx="0">
-              <a:schemeClr val="accent4"/>
-            </a:effectRef>
-            <a:fontRef idx="minor">
-              <a:schemeClr val="tx1"/>
-            </a:fontRef>
-          </p:style>
-        </p:cxnSp>
-        <p:cxnSp>
-          <p:nvCxnSpPr>
-            <p:cNvPr id="21" name="Straight Connector 20">
-              <a:extLst>
-                <a:ext uri="{FF2B5EF4-FFF2-40B4-BE49-F238E27FC236}">
-                  <a16:creationId xmlns:a16="http://schemas.microsoft.com/office/drawing/2014/main" id="{7ECE0526-8AF4-B549-849B-FF5560839B9F}"/>
-                </a:ext>
-              </a:extLst>
-            </p:cNvPr>
-            <p:cNvCxnSpPr>
-              <a:cxnSpLocks/>
-            </p:cNvCxnSpPr>
-            <p:nvPr/>
-          </p:nvCxnSpPr>
-          <p:spPr>
-            <a:xfrm flipH="1" flipV="1">
-              <a:off x="1665759" y="3010782"/>
-              <a:ext cx="13368" cy="1667057"/>
-            </a:xfrm>
-            <a:prstGeom prst="line">
-              <a:avLst/>
-            </a:prstGeom>
-          </p:spPr>
-          <p:style>
-            <a:lnRef idx="1">
-              <a:schemeClr val="accent4"/>
-            </a:lnRef>
-            <a:fillRef idx="0">
-              <a:schemeClr val="accent4"/>
-            </a:fillRef>
-            <a:effectRef idx="0">
-              <a:schemeClr val="accent4"/>
-            </a:effectRef>
-            <a:fontRef idx="minor">
-              <a:schemeClr val="tx1"/>
-            </a:fontRef>
-          </p:style>
-        </p:cxnSp>
-        <p:cxnSp>
-          <p:nvCxnSpPr>
-            <p:cNvPr id="22" name="Straight Arrow Connector 21">
-              <a:extLst>
-                <a:ext uri="{FF2B5EF4-FFF2-40B4-BE49-F238E27FC236}">
-                  <a16:creationId xmlns:a16="http://schemas.microsoft.com/office/drawing/2014/main" id="{F53E7AF0-7960-244C-BF88-D38BFC35AFCA}"/>
-                </a:ext>
-              </a:extLst>
-            </p:cNvPr>
-            <p:cNvCxnSpPr>
-              <a:cxnSpLocks/>
-              <a:stCxn id="8" idx="0"/>
-            </p:cNvCxnSpPr>
-            <p:nvPr/>
-          </p:nvCxnSpPr>
-          <p:spPr>
-            <a:xfrm flipV="1">
-              <a:off x="6545309" y="4610996"/>
-              <a:ext cx="0" cy="1389537"/>
-            </a:xfrm>
-            <a:prstGeom prst="straightConnector1">
-              <a:avLst/>
-            </a:prstGeom>
-            <a:ln>
-              <a:solidFill>
-                <a:srgbClr val="FFC000"/>
-              </a:solidFill>
-              <a:prstDash val="solid"/>
-              <a:headEnd type="triangle"/>
-              <a:tailEnd type="none"/>
-            </a:ln>
-          </p:spPr>
-          <p:style>
-            <a:lnRef idx="1">
-              <a:schemeClr val="accent1"/>
-            </a:lnRef>
-            <a:fillRef idx="0">
-              <a:schemeClr val="accent1"/>
-            </a:fillRef>
-            <a:effectRef idx="0">
-              <a:schemeClr val="accent1"/>
-            </a:effectRef>
-            <a:fontRef idx="minor">
-              <a:schemeClr val="tx1"/>
-            </a:fontRef>
-          </p:style>
-        </p:cxnSp>
-        <p:cxnSp>
-          <p:nvCxnSpPr>
-            <p:cNvPr id="23" name="Straight Arrow Connector 22">
-              <a:extLst>
-                <a:ext uri="{FF2B5EF4-FFF2-40B4-BE49-F238E27FC236}">
-                  <a16:creationId xmlns:a16="http://schemas.microsoft.com/office/drawing/2014/main" id="{82A0D1F3-3A48-384E-98B1-4BABB2FD0CD4}"/>
-                </a:ext>
-              </a:extLst>
-            </p:cNvPr>
-            <p:cNvCxnSpPr>
-              <a:cxnSpLocks/>
-            </p:cNvCxnSpPr>
-            <p:nvPr/>
-          </p:nvCxnSpPr>
-          <p:spPr>
-            <a:xfrm flipV="1">
-              <a:off x="1093936" y="1809085"/>
-              <a:ext cx="4371719" cy="0"/>
-            </a:xfrm>
-            <a:prstGeom prst="straightConnector1">
-              <a:avLst/>
-            </a:prstGeom>
-            <a:ln>
-              <a:tailEnd type="triangle"/>
-            </a:ln>
-          </p:spPr>
-          <p:style>
-            <a:lnRef idx="1">
-              <a:schemeClr val="accent4"/>
-            </a:lnRef>
-            <a:fillRef idx="0">
-              <a:schemeClr val="accent4"/>
-            </a:fillRef>
-            <a:effectRef idx="0">
-              <a:schemeClr val="accent4"/>
-            </a:effectRef>
-            <a:fontRef idx="minor">
-              <a:schemeClr val="tx1"/>
-            </a:fontRef>
-          </p:style>
-        </p:cxnSp>
-        <p:sp>
-          <p:nvSpPr>
-            <p:cNvPr id="24" name="Rounded Rectangle 14">
-              <a:extLst>
-                <a:ext uri="{FF2B5EF4-FFF2-40B4-BE49-F238E27FC236}">
-                  <a16:creationId xmlns:a16="http://schemas.microsoft.com/office/drawing/2014/main" id="{1E2D0403-F710-BA48-845C-C02D8524AF38}"/>
-                </a:ext>
-              </a:extLst>
-            </p:cNvPr>
-            <p:cNvSpPr/>
-            <p:nvPr/>
-          </p:nvSpPr>
-          <p:spPr>
-            <a:xfrm>
-              <a:off x="1403245" y="2643964"/>
+              <a:off x="2178361" y="3246560"/>
               <a:ext cx="1982688" cy="369332"/>
             </a:xfrm>
             <a:prstGeom prst="roundRect">
@@ -4391,7 +3849,7 @@
             <a:p>
               <a:pPr algn="ctr"/>
               <a:r>
-                <a:rPr lang="en-US" sz="1300" dirty="0" err="1">
+                <a:rPr lang="en-US" sz="1300">
                   <a:solidFill>
                     <a:schemeClr val="tx1"/>
                   </a:solidFill>
@@ -4400,7 +3858,7 @@
                 </a:rPr>
                 <a:t>AddSavingsCommand</a:t>
               </a:r>
-              <a:endParaRPr lang="en-US" sz="1300" dirty="0">
+              <a:endParaRPr lang="en-US" sz="1300">
                 <a:solidFill>
                   <a:schemeClr val="tx1"/>
                 </a:solidFill>
@@ -4412,10 +3870,10 @@
         </p:sp>
         <p:sp>
           <p:nvSpPr>
-            <p:cNvPr id="25" name="Rounded Rectangle 14">
+            <p:cNvPr id="89" name="Rounded Rectangle 14">
               <a:extLst>
                 <a:ext uri="{FF2B5EF4-FFF2-40B4-BE49-F238E27FC236}">
-                  <a16:creationId xmlns:a16="http://schemas.microsoft.com/office/drawing/2014/main" id="{72AD6B9C-FDE6-EC44-B87F-E53F83418C46}"/>
+                  <a16:creationId xmlns:a16="http://schemas.microsoft.com/office/drawing/2014/main" id="{B156A69E-44E2-544F-94E2-BF50AE29F0D4}"/>
                 </a:ext>
               </a:extLst>
             </p:cNvPr>
@@ -4484,10 +3942,10 @@
         </p:sp>
         <p:sp>
           <p:nvSpPr>
-            <p:cNvPr id="26" name="Rounded Rectangle 14">
+            <p:cNvPr id="90" name="Rounded Rectangle 14">
               <a:extLst>
                 <a:ext uri="{FF2B5EF4-FFF2-40B4-BE49-F238E27FC236}">
-                  <a16:creationId xmlns:a16="http://schemas.microsoft.com/office/drawing/2014/main" id="{2ADA72BE-03CC-7945-8A65-F06650950FD2}"/>
+                  <a16:creationId xmlns:a16="http://schemas.microsoft.com/office/drawing/2014/main" id="{DD11F2B3-B45F-4647-A3D9-196AB3C01072}"/>
                 </a:ext>
               </a:extLst>
             </p:cNvPr>
@@ -4496,7 +3954,7 @@
           </p:nvSpPr>
           <p:spPr>
             <a:xfrm>
-              <a:off x="9626450" y="3239061"/>
+              <a:off x="7087780" y="3249711"/>
               <a:ext cx="2049530" cy="362648"/>
             </a:xfrm>
             <a:prstGeom prst="roundRect">
@@ -4535,7 +3993,7 @@
             <a:p>
               <a:pPr algn="ctr"/>
               <a:r>
-                <a:rPr lang="en-US" sz="1300" dirty="0" err="1">
+                <a:rPr lang="en-US" sz="1300">
                   <a:solidFill>
                     <a:schemeClr val="tx1"/>
                   </a:solidFill>
@@ -4544,7 +4002,7 @@
                 </a:rPr>
                 <a:t>ListInvestmentCommand</a:t>
               </a:r>
-              <a:endParaRPr lang="en-US" sz="1300" dirty="0">
+              <a:endParaRPr lang="en-US" sz="1300">
                 <a:solidFill>
                   <a:schemeClr val="tx1"/>
                 </a:solidFill>
@@ -4556,10 +4014,10 @@
         </p:sp>
         <p:sp>
           <p:nvSpPr>
-            <p:cNvPr id="27" name="Rounded Rectangle 14">
+            <p:cNvPr id="91" name="Rounded Rectangle 14">
               <a:extLst>
                 <a:ext uri="{FF2B5EF4-FFF2-40B4-BE49-F238E27FC236}">
-                  <a16:creationId xmlns:a16="http://schemas.microsoft.com/office/drawing/2014/main" id="{462F83C8-AFF6-FA4B-923C-91668D310B9A}"/>
+                  <a16:creationId xmlns:a16="http://schemas.microsoft.com/office/drawing/2014/main" id="{663FF8E2-05D1-594E-A7B0-9BA5A7EA075C}"/>
                 </a:ext>
               </a:extLst>
             </p:cNvPr>
@@ -4568,7 +4026,7 @@
           </p:nvSpPr>
           <p:spPr>
             <a:xfrm>
-              <a:off x="9165880" y="2685204"/>
+              <a:off x="9565518" y="3233629"/>
               <a:ext cx="2049530" cy="362648"/>
             </a:xfrm>
             <a:prstGeom prst="roundRect">
@@ -4607,7 +4065,7 @@
             <a:p>
               <a:pPr algn="ctr"/>
               <a:r>
-                <a:rPr lang="en-US" sz="1300" dirty="0" err="1">
+                <a:rPr lang="en-US" sz="1300">
                   <a:solidFill>
                     <a:schemeClr val="tx1"/>
                   </a:solidFill>
@@ -4616,7 +4074,7 @@
                 </a:rPr>
                 <a:t>ListSavingsCommand</a:t>
               </a:r>
-              <a:endParaRPr lang="en-US" sz="1300" dirty="0">
+              <a:endParaRPr lang="en-US" sz="1300">
                 <a:solidFill>
                   <a:schemeClr val="tx1"/>
                 </a:solidFill>
@@ -4626,12 +4084,282 @@
             </a:p>
           </p:txBody>
         </p:sp>
+        <p:sp>
+          <p:nvSpPr>
+            <p:cNvPr id="92" name="TextBox 91">
+              <a:extLst>
+                <a:ext uri="{FF2B5EF4-FFF2-40B4-BE49-F238E27FC236}">
+                  <a16:creationId xmlns:a16="http://schemas.microsoft.com/office/drawing/2014/main" id="{421EBA0F-AC9F-F149-B3F4-58C2D9B54749}"/>
+                </a:ext>
+              </a:extLst>
+            </p:cNvPr>
+            <p:cNvSpPr txBox="1"/>
+            <p:nvPr/>
+          </p:nvSpPr>
+          <p:spPr>
+            <a:xfrm>
+              <a:off x="1303421" y="248117"/>
+              <a:ext cx="3175678" cy="369332"/>
+            </a:xfrm>
+            <a:prstGeom prst="rect">
+              <a:avLst/>
+            </a:prstGeom>
+            <a:noFill/>
+          </p:spPr>
+          <p:txBody>
+            <a:bodyPr wrap="none" rtlCol="0" anchor="t">
+              <a:spAutoFit/>
+            </a:bodyPr>
+            <a:lstStyle/>
+            <a:p>
+              <a:r>
+                <a:rPr lang="en-US" b="1"/>
+                <a:t>Logic, Command, Bank Package</a:t>
+              </a:r>
+            </a:p>
+          </p:txBody>
+        </p:sp>
+        <p:sp>
+          <p:nvSpPr>
+            <p:cNvPr id="93" name="Rounded Rectangle 144">
+              <a:extLst>
+                <a:ext uri="{FF2B5EF4-FFF2-40B4-BE49-F238E27FC236}">
+                  <a16:creationId xmlns:a16="http://schemas.microsoft.com/office/drawing/2014/main" id="{E5EBF77F-93A2-DB4C-B3B6-D9F38F1E4259}"/>
+                </a:ext>
+              </a:extLst>
+            </p:cNvPr>
+            <p:cNvSpPr/>
+            <p:nvPr/>
+          </p:nvSpPr>
+          <p:spPr>
+            <a:xfrm>
+              <a:off x="1303421" y="6000533"/>
+              <a:ext cx="10483775" cy="529662"/>
+            </a:xfrm>
+            <a:prstGeom prst="roundRect">
+              <a:avLst/>
+            </a:prstGeom>
+            <a:solidFill>
+              <a:schemeClr val="accent5">
+                <a:lumMod val="60000"/>
+                <a:lumOff val="40000"/>
+              </a:schemeClr>
+            </a:solidFill>
+            <a:ln>
+              <a:noFill/>
+            </a:ln>
+          </p:spPr>
+          <p:style>
+            <a:lnRef idx="2">
+              <a:schemeClr val="accent1">
+                <a:shade val="50000"/>
+              </a:schemeClr>
+            </a:lnRef>
+            <a:fillRef idx="1">
+              <a:schemeClr val="accent1"/>
+            </a:fillRef>
+            <a:effectRef idx="0">
+              <a:schemeClr val="accent1"/>
+            </a:effectRef>
+            <a:fontRef idx="minor">
+              <a:schemeClr val="lt1"/>
+            </a:fontRef>
+          </p:style>
+          <p:txBody>
+            <a:bodyPr rtlCol="0" anchor="ctr"/>
+            <a:lstStyle/>
+            <a:p>
+              <a:pPr algn="ctr"/>
+              <a:r>
+                <a:rPr lang="en-US" sz="1300" b="1">
+                  <a:solidFill>
+                    <a:schemeClr val="tx1"/>
+                  </a:solidFill>
+                  <a:latin typeface="Arial" panose="020B0604020202020204" pitchFamily="34" charset="0"/>
+                  <a:cs typeface="Arial" panose="020B0604020202020204" pitchFamily="34" charset="0"/>
+                </a:rPr>
+                <a:t>Model</a:t>
+              </a:r>
+            </a:p>
+          </p:txBody>
+        </p:sp>
+        <p:sp>
+          <p:nvSpPr>
+            <p:cNvPr id="94" name="Rounded Rectangle 12">
+              <a:extLst>
+                <a:ext uri="{FF2B5EF4-FFF2-40B4-BE49-F238E27FC236}">
+                  <a16:creationId xmlns:a16="http://schemas.microsoft.com/office/drawing/2014/main" id="{781F5333-4D49-5D46-AE1A-39D344E1CA9A}"/>
+                </a:ext>
+              </a:extLst>
+            </p:cNvPr>
+            <p:cNvSpPr/>
+            <p:nvPr/>
+          </p:nvSpPr>
+          <p:spPr>
+            <a:xfrm rot="16200000">
+              <a:off x="-2045605" y="2712777"/>
+              <a:ext cx="5568378" cy="710702"/>
+            </a:xfrm>
+            <a:prstGeom prst="roundRect">
+              <a:avLst/>
+            </a:prstGeom>
+            <a:solidFill>
+              <a:schemeClr val="accent3">
+                <a:lumMod val="60000"/>
+                <a:lumOff val="40000"/>
+              </a:schemeClr>
+            </a:solidFill>
+            <a:ln>
+              <a:solidFill>
+                <a:schemeClr val="accent3">
+                  <a:lumMod val="60000"/>
+                  <a:lumOff val="40000"/>
+                </a:schemeClr>
+              </a:solidFill>
+            </a:ln>
+          </p:spPr>
+          <p:style>
+            <a:lnRef idx="2">
+              <a:schemeClr val="accent1">
+                <a:shade val="50000"/>
+              </a:schemeClr>
+            </a:lnRef>
+            <a:fillRef idx="1">
+              <a:schemeClr val="accent1"/>
+            </a:fillRef>
+            <a:effectRef idx="0">
+              <a:schemeClr val="accent1"/>
+            </a:effectRef>
+            <a:fontRef idx="minor">
+              <a:schemeClr val="lt1"/>
+            </a:fontRef>
+          </p:style>
+          <p:txBody>
+            <a:bodyPr rtlCol="0" anchor="ctr"/>
+            <a:lstStyle/>
+            <a:p>
+              <a:pPr algn="ctr"/>
+              <a:r>
+                <a:rPr lang="en-US" sz="1300" b="1" dirty="0">
+                  <a:solidFill>
+                    <a:schemeClr val="tx1"/>
+                  </a:solidFill>
+                  <a:latin typeface="Arial" panose="020B0604020202020204" pitchFamily="34" charset="0"/>
+                  <a:cs typeface="Arial" panose="020B0604020202020204" pitchFamily="34" charset="0"/>
+                </a:rPr>
+                <a:t>Main</a:t>
+              </a:r>
+            </a:p>
+          </p:txBody>
+        </p:sp>
+        <p:sp>
+          <p:nvSpPr>
+            <p:cNvPr id="95" name="Triangle 55">
+              <a:extLst>
+                <a:ext uri="{FF2B5EF4-FFF2-40B4-BE49-F238E27FC236}">
+                  <a16:creationId xmlns:a16="http://schemas.microsoft.com/office/drawing/2014/main" id="{67A72B25-922A-2140-A478-5C74BB9D5042}"/>
+                </a:ext>
+              </a:extLst>
+            </p:cNvPr>
+            <p:cNvSpPr/>
+            <p:nvPr/>
+          </p:nvSpPr>
+          <p:spPr>
+            <a:xfrm>
+              <a:off x="6308935" y="1998031"/>
+              <a:ext cx="238306" cy="98868"/>
+            </a:xfrm>
+            <a:prstGeom prst="triangle">
+              <a:avLst/>
+            </a:prstGeom>
+            <a:noFill/>
+            <a:ln>
+              <a:solidFill>
+                <a:schemeClr val="accent2">
+                  <a:lumMod val="75000"/>
+                </a:schemeClr>
+              </a:solidFill>
+            </a:ln>
+          </p:spPr>
+          <p:style>
+            <a:lnRef idx="2">
+              <a:schemeClr val="accent1">
+                <a:shade val="50000"/>
+              </a:schemeClr>
+            </a:lnRef>
+            <a:fillRef idx="1">
+              <a:schemeClr val="accent1"/>
+            </a:fillRef>
+            <a:effectRef idx="0">
+              <a:schemeClr val="accent1"/>
+            </a:effectRef>
+            <a:fontRef idx="minor">
+              <a:schemeClr val="lt1"/>
+            </a:fontRef>
+          </p:style>
+          <p:txBody>
+            <a:bodyPr rtlCol="0" anchor="ctr"/>
+            <a:lstStyle/>
+            <a:p>
+              <a:pPr algn="ctr"/>
+              <a:endParaRPr lang="en-US" sz="1300">
+                <a:latin typeface="Arial" panose="020B0604020202020204" pitchFamily="34" charset="0"/>
+                <a:cs typeface="Arial" panose="020B0604020202020204" pitchFamily="34" charset="0"/>
+              </a:endParaRPr>
+            </a:p>
+          </p:txBody>
+        </p:sp>
         <p:cxnSp>
           <p:nvCxnSpPr>
-            <p:cNvPr id="28" name="Straight Connector 27">
+            <p:cNvPr id="96" name="Straight Connector 95">
               <a:extLst>
                 <a:ext uri="{FF2B5EF4-FFF2-40B4-BE49-F238E27FC236}">
-                  <a16:creationId xmlns:a16="http://schemas.microsoft.com/office/drawing/2014/main" id="{FDEE9F33-7635-AB4A-8125-92753B83E77D}"/>
+                  <a16:creationId xmlns:a16="http://schemas.microsoft.com/office/drawing/2014/main" id="{FE4A32E7-F54A-6546-A51E-91682334B3A6}"/>
+                </a:ext>
+              </a:extLst>
+            </p:cNvPr>
+            <p:cNvCxnSpPr>
+              <a:cxnSpLocks/>
+            </p:cNvCxnSpPr>
+            <p:nvPr/>
+          </p:nvCxnSpPr>
+          <p:spPr>
+            <a:xfrm>
+              <a:off x="1665759" y="2273355"/>
+              <a:ext cx="9735418" cy="386"/>
+            </a:xfrm>
+            <a:prstGeom prst="line">
+              <a:avLst/>
+            </a:prstGeom>
+            <a:ln>
+              <a:solidFill>
+                <a:schemeClr val="accent2">
+                  <a:lumMod val="75000"/>
+                </a:schemeClr>
+              </a:solidFill>
+            </a:ln>
+          </p:spPr>
+          <p:style>
+            <a:lnRef idx="1">
+              <a:schemeClr val="accent4"/>
+            </a:lnRef>
+            <a:fillRef idx="0">
+              <a:schemeClr val="accent4"/>
+            </a:fillRef>
+            <a:effectRef idx="0">
+              <a:schemeClr val="accent4"/>
+            </a:effectRef>
+            <a:fontRef idx="minor">
+              <a:schemeClr val="tx1"/>
+            </a:fontRef>
+          </p:style>
+        </p:cxnSp>
+        <p:cxnSp>
+          <p:nvCxnSpPr>
+            <p:cNvPr id="97" name="Straight Connector 96">
+              <a:extLst>
+                <a:ext uri="{FF2B5EF4-FFF2-40B4-BE49-F238E27FC236}">
+                  <a16:creationId xmlns:a16="http://schemas.microsoft.com/office/drawing/2014/main" id="{4DB9B7F4-12AB-B448-9E25-1F988A368CF9}"/>
                 </a:ext>
               </a:extLst>
             </p:cNvPr>
@@ -4642,12 +4370,19 @@
           </p:nvCxnSpPr>
           <p:spPr>
             <a:xfrm flipV="1">
-              <a:off x="1665756" y="2288887"/>
-              <a:ext cx="0" cy="403743"/>
+              <a:off x="6424915" y="2096899"/>
+              <a:ext cx="0" cy="198671"/>
             </a:xfrm>
             <a:prstGeom prst="line">
               <a:avLst/>
             </a:prstGeom>
+            <a:ln>
+              <a:solidFill>
+                <a:schemeClr val="accent2">
+                  <a:lumMod val="75000"/>
+                </a:schemeClr>
+              </a:solidFill>
+            </a:ln>
           </p:spPr>
           <p:style>
             <a:lnRef idx="1">
@@ -4666,10 +4401,10 @@
         </p:cxnSp>
         <p:cxnSp>
           <p:nvCxnSpPr>
-            <p:cNvPr id="29" name="Straight Connector 28">
+            <p:cNvPr id="98" name="Straight Connector 97">
               <a:extLst>
                 <a:ext uri="{FF2B5EF4-FFF2-40B4-BE49-F238E27FC236}">
-                  <a16:creationId xmlns:a16="http://schemas.microsoft.com/office/drawing/2014/main" id="{2E1C1C96-AAF7-234C-A5FD-31D8B5FF5B79}"/>
+                  <a16:creationId xmlns:a16="http://schemas.microsoft.com/office/drawing/2014/main" id="{10D1A7E6-E8B2-6140-9CA5-53C86041F694}"/>
                 </a:ext>
               </a:extLst>
             </p:cNvPr>
@@ -4680,12 +4415,19 @@
           </p:nvCxnSpPr>
           <p:spPr>
             <a:xfrm flipV="1">
-              <a:off x="5047966" y="2295571"/>
-              <a:ext cx="0" cy="403743"/>
+              <a:off x="1660901" y="4604045"/>
+              <a:ext cx="9717012" cy="0"/>
             </a:xfrm>
             <a:prstGeom prst="line">
               <a:avLst/>
             </a:prstGeom>
+            <a:ln>
+              <a:solidFill>
+                <a:schemeClr val="accent2">
+                  <a:lumMod val="75000"/>
+                </a:schemeClr>
+              </a:solidFill>
+            </a:ln>
           </p:spPr>
           <p:style>
             <a:lnRef idx="1">
@@ -4704,10 +4446,10 @@
         </p:cxnSp>
         <p:cxnSp>
           <p:nvCxnSpPr>
-            <p:cNvPr id="30" name="Straight Connector 29">
+            <p:cNvPr id="99" name="Straight Connector 98">
               <a:extLst>
                 <a:ext uri="{FF2B5EF4-FFF2-40B4-BE49-F238E27FC236}">
-                  <a16:creationId xmlns:a16="http://schemas.microsoft.com/office/drawing/2014/main" id="{803FA183-19DE-E845-A34B-87219A800AB5}"/>
+                  <a16:creationId xmlns:a16="http://schemas.microsoft.com/office/drawing/2014/main" id="{BF1FCCD9-1177-D94A-BB45-E765950829BF}"/>
                 </a:ext>
               </a:extLst>
             </p:cNvPr>
@@ -4718,12 +4460,19 @@
           </p:nvCxnSpPr>
           <p:spPr>
             <a:xfrm flipV="1">
-              <a:off x="7661492" y="2288886"/>
-              <a:ext cx="0" cy="403743"/>
+              <a:off x="1660901" y="3010783"/>
+              <a:ext cx="0" cy="1593262"/>
             </a:xfrm>
             <a:prstGeom prst="line">
               <a:avLst/>
             </a:prstGeom>
+            <a:ln>
+              <a:solidFill>
+                <a:schemeClr val="accent2">
+                  <a:lumMod val="75000"/>
+                </a:schemeClr>
+              </a:solidFill>
+            </a:ln>
           </p:spPr>
           <p:style>
             <a:lnRef idx="1">
@@ -4742,10 +4491,59 @@
         </p:cxnSp>
         <p:cxnSp>
           <p:nvCxnSpPr>
-            <p:cNvPr id="31" name="Straight Connector 30">
+            <p:cNvPr id="100" name="Straight Arrow Connector 99">
               <a:extLst>
                 <a:ext uri="{FF2B5EF4-FFF2-40B4-BE49-F238E27FC236}">
-                  <a16:creationId xmlns:a16="http://schemas.microsoft.com/office/drawing/2014/main" id="{B3A742A2-D821-C64B-A73B-DD4F2B989AF0}"/>
+                  <a16:creationId xmlns:a16="http://schemas.microsoft.com/office/drawing/2014/main" id="{542D4ED3-C2E9-C546-B678-95C98540FE7A}"/>
+                </a:ext>
+              </a:extLst>
+            </p:cNvPr>
+            <p:cNvCxnSpPr>
+              <a:cxnSpLocks/>
+              <a:stCxn id="93" idx="0"/>
+            </p:cNvCxnSpPr>
+            <p:nvPr/>
+          </p:nvCxnSpPr>
+          <p:spPr>
+            <a:xfrm flipV="1">
+              <a:off x="6545309" y="4604045"/>
+              <a:ext cx="0" cy="1396488"/>
+            </a:xfrm>
+            <a:prstGeom prst="straightConnector1">
+              <a:avLst/>
+            </a:prstGeom>
+            <a:ln>
+              <a:solidFill>
+                <a:schemeClr val="accent2">
+                  <a:lumMod val="75000"/>
+                </a:schemeClr>
+              </a:solidFill>
+              <a:prstDash val="solid"/>
+              <a:headEnd type="triangle"/>
+              <a:tailEnd type="none"/>
+            </a:ln>
+          </p:spPr>
+          <p:style>
+            <a:lnRef idx="1">
+              <a:schemeClr val="accent1"/>
+            </a:lnRef>
+            <a:fillRef idx="0">
+              <a:schemeClr val="accent1"/>
+            </a:fillRef>
+            <a:effectRef idx="0">
+              <a:schemeClr val="accent1"/>
+            </a:effectRef>
+            <a:fontRef idx="minor">
+              <a:schemeClr val="tx1"/>
+            </a:fontRef>
+          </p:style>
+        </p:cxnSp>
+        <p:cxnSp>
+          <p:nvCxnSpPr>
+            <p:cNvPr id="101" name="Straight Arrow Connector 100">
+              <a:extLst>
+                <a:ext uri="{FF2B5EF4-FFF2-40B4-BE49-F238E27FC236}">
+                  <a16:creationId xmlns:a16="http://schemas.microsoft.com/office/drawing/2014/main" id="{B68FDF8B-C6B8-FB48-9C5E-0B7C506A0288}"/>
                 </a:ext>
               </a:extLst>
             </p:cNvPr>
@@ -4756,12 +4554,20 @@
           </p:nvCxnSpPr>
           <p:spPr>
             <a:xfrm flipV="1">
-              <a:off x="10041071" y="2288886"/>
-              <a:ext cx="0" cy="403743"/>
+              <a:off x="1093936" y="1809085"/>
+              <a:ext cx="4371719" cy="0"/>
             </a:xfrm>
-            <a:prstGeom prst="line">
+            <a:prstGeom prst="straightConnector1">
               <a:avLst/>
             </a:prstGeom>
+            <a:ln>
+              <a:solidFill>
+                <a:schemeClr val="accent2">
+                  <a:lumMod val="75000"/>
+                </a:schemeClr>
+              </a:solidFill>
+              <a:tailEnd type="triangle"/>
+            </a:ln>
           </p:spPr>
           <p:style>
             <a:lnRef idx="1">
@@ -4780,10 +4586,191 @@
         </p:cxnSp>
         <p:cxnSp>
           <p:nvCxnSpPr>
-            <p:cNvPr id="32" name="Straight Connector 31">
+            <p:cNvPr id="102" name="Straight Connector 101">
               <a:extLst>
                 <a:ext uri="{FF2B5EF4-FFF2-40B4-BE49-F238E27FC236}">
-                  <a16:creationId xmlns:a16="http://schemas.microsoft.com/office/drawing/2014/main" id="{5261FBC7-0341-6540-AFCD-7B05823F73CF}"/>
+                  <a16:creationId xmlns:a16="http://schemas.microsoft.com/office/drawing/2014/main" id="{38682BBB-2C50-5742-9135-2895DA63B069}"/>
+                </a:ext>
+              </a:extLst>
+            </p:cNvPr>
+            <p:cNvCxnSpPr>
+              <a:cxnSpLocks/>
+            </p:cNvCxnSpPr>
+            <p:nvPr/>
+          </p:nvCxnSpPr>
+          <p:spPr>
+            <a:xfrm flipH="1" flipV="1">
+              <a:off x="1665759" y="2273355"/>
+              <a:ext cx="2" cy="368285"/>
+            </a:xfrm>
+            <a:prstGeom prst="line">
+              <a:avLst/>
+            </a:prstGeom>
+            <a:ln>
+              <a:solidFill>
+                <a:schemeClr val="accent2">
+                  <a:lumMod val="75000"/>
+                </a:schemeClr>
+              </a:solidFill>
+            </a:ln>
+          </p:spPr>
+          <p:style>
+            <a:lnRef idx="1">
+              <a:schemeClr val="accent4"/>
+            </a:lnRef>
+            <a:fillRef idx="0">
+              <a:schemeClr val="accent4"/>
+            </a:fillRef>
+            <a:effectRef idx="0">
+              <a:schemeClr val="accent4"/>
+            </a:effectRef>
+            <a:fontRef idx="minor">
+              <a:schemeClr val="tx1"/>
+            </a:fontRef>
+          </p:style>
+        </p:cxnSp>
+        <p:cxnSp>
+          <p:nvCxnSpPr>
+            <p:cNvPr id="103" name="Straight Connector 102">
+              <a:extLst>
+                <a:ext uri="{FF2B5EF4-FFF2-40B4-BE49-F238E27FC236}">
+                  <a16:creationId xmlns:a16="http://schemas.microsoft.com/office/drawing/2014/main" id="{C8CE877E-C2FD-A949-B760-9793A0F11210}"/>
+                </a:ext>
+              </a:extLst>
+            </p:cNvPr>
+            <p:cNvCxnSpPr>
+              <a:cxnSpLocks/>
+            </p:cNvCxnSpPr>
+            <p:nvPr/>
+          </p:nvCxnSpPr>
+          <p:spPr>
+            <a:xfrm flipV="1">
+              <a:off x="5047966" y="2295572"/>
+              <a:ext cx="0" cy="332508"/>
+            </a:xfrm>
+            <a:prstGeom prst="line">
+              <a:avLst/>
+            </a:prstGeom>
+            <a:ln>
+              <a:solidFill>
+                <a:schemeClr val="accent2">
+                  <a:lumMod val="75000"/>
+                </a:schemeClr>
+              </a:solidFill>
+            </a:ln>
+          </p:spPr>
+          <p:style>
+            <a:lnRef idx="1">
+              <a:schemeClr val="accent4"/>
+            </a:lnRef>
+            <a:fillRef idx="0">
+              <a:schemeClr val="accent4"/>
+            </a:fillRef>
+            <a:effectRef idx="0">
+              <a:schemeClr val="accent4"/>
+            </a:effectRef>
+            <a:fontRef idx="minor">
+              <a:schemeClr val="tx1"/>
+            </a:fontRef>
+          </p:style>
+        </p:cxnSp>
+        <p:cxnSp>
+          <p:nvCxnSpPr>
+            <p:cNvPr id="104" name="Straight Connector 103">
+              <a:extLst>
+                <a:ext uri="{FF2B5EF4-FFF2-40B4-BE49-F238E27FC236}">
+                  <a16:creationId xmlns:a16="http://schemas.microsoft.com/office/drawing/2014/main" id="{E0203FC1-144C-3143-9A8B-1736D4487CC8}"/>
+                </a:ext>
+              </a:extLst>
+            </p:cNvPr>
+            <p:cNvCxnSpPr>
+              <a:cxnSpLocks/>
+              <a:stCxn id="86" idx="0"/>
+            </p:cNvCxnSpPr>
+            <p:nvPr/>
+          </p:nvCxnSpPr>
+          <p:spPr>
+            <a:xfrm flipV="1">
+              <a:off x="7628876" y="2287012"/>
+              <a:ext cx="0" cy="354628"/>
+            </a:xfrm>
+            <a:prstGeom prst="line">
+              <a:avLst/>
+            </a:prstGeom>
+            <a:ln>
+              <a:solidFill>
+                <a:schemeClr val="accent2">
+                  <a:lumMod val="75000"/>
+                </a:schemeClr>
+              </a:solidFill>
+            </a:ln>
+          </p:spPr>
+          <p:style>
+            <a:lnRef idx="1">
+              <a:schemeClr val="accent4"/>
+            </a:lnRef>
+            <a:fillRef idx="0">
+              <a:schemeClr val="accent4"/>
+            </a:fillRef>
+            <a:effectRef idx="0">
+              <a:schemeClr val="accent4"/>
+            </a:effectRef>
+            <a:fontRef idx="minor">
+              <a:schemeClr val="tx1"/>
+            </a:fontRef>
+          </p:style>
+        </p:cxnSp>
+        <p:cxnSp>
+          <p:nvCxnSpPr>
+            <p:cNvPr id="105" name="Straight Connector 104">
+              <a:extLst>
+                <a:ext uri="{FF2B5EF4-FFF2-40B4-BE49-F238E27FC236}">
+                  <a16:creationId xmlns:a16="http://schemas.microsoft.com/office/drawing/2014/main" id="{7A80CD4E-4F0D-1E47-A2E4-3FD2D99819D1}"/>
+                </a:ext>
+              </a:extLst>
+            </p:cNvPr>
+            <p:cNvCxnSpPr>
+              <a:cxnSpLocks/>
+            </p:cNvCxnSpPr>
+            <p:nvPr/>
+          </p:nvCxnSpPr>
+          <p:spPr>
+            <a:xfrm flipV="1">
+              <a:off x="10041071" y="2273739"/>
+              <a:ext cx="0" cy="354342"/>
+            </a:xfrm>
+            <a:prstGeom prst="line">
+              <a:avLst/>
+            </a:prstGeom>
+            <a:ln>
+              <a:solidFill>
+                <a:schemeClr val="accent2">
+                  <a:lumMod val="75000"/>
+                </a:schemeClr>
+              </a:solidFill>
+            </a:ln>
+          </p:spPr>
+          <p:style>
+            <a:lnRef idx="1">
+              <a:schemeClr val="accent4"/>
+            </a:lnRef>
+            <a:fillRef idx="0">
+              <a:schemeClr val="accent4"/>
+            </a:fillRef>
+            <a:effectRef idx="0">
+              <a:schemeClr val="accent4"/>
+            </a:effectRef>
+            <a:fontRef idx="minor">
+              <a:schemeClr val="tx1"/>
+            </a:fontRef>
+          </p:style>
+        </p:cxnSp>
+        <p:cxnSp>
+          <p:nvCxnSpPr>
+            <p:cNvPr id="106" name="Straight Connector 105">
+              <a:extLst>
+                <a:ext uri="{FF2B5EF4-FFF2-40B4-BE49-F238E27FC236}">
+                  <a16:creationId xmlns:a16="http://schemas.microsoft.com/office/drawing/2014/main" id="{26A80E27-DF0C-3349-9B7D-18125BFDEB36}"/>
                 </a:ext>
               </a:extLst>
             </p:cNvPr>
@@ -4800,6 +4787,13 @@
             <a:prstGeom prst="line">
               <a:avLst/>
             </a:prstGeom>
+            <a:ln>
+              <a:solidFill>
+                <a:schemeClr val="accent2">
+                  <a:lumMod val="75000"/>
+                </a:schemeClr>
+              </a:solidFill>
+            </a:ln>
           </p:spPr>
           <p:style>
             <a:lnRef idx="1">
@@ -4818,10 +4812,10 @@
         </p:cxnSp>
         <p:cxnSp>
           <p:nvCxnSpPr>
-            <p:cNvPr id="33" name="Straight Connector 32">
+            <p:cNvPr id="107" name="Straight Connector 106">
               <a:extLst>
                 <a:ext uri="{FF2B5EF4-FFF2-40B4-BE49-F238E27FC236}">
-                  <a16:creationId xmlns:a16="http://schemas.microsoft.com/office/drawing/2014/main" id="{B2BF1583-3392-0444-84E1-8A25E152A411}"/>
+                  <a16:creationId xmlns:a16="http://schemas.microsoft.com/office/drawing/2014/main" id="{21B5DCCB-DA20-CA47-A82B-F829A470C7A2}"/>
                 </a:ext>
               </a:extLst>
             </p:cNvPr>
@@ -4833,11 +4827,18 @@
           <p:spPr>
             <a:xfrm flipV="1">
               <a:off x="6424915" y="2295570"/>
-              <a:ext cx="0" cy="965216"/>
+              <a:ext cx="0" cy="938059"/>
             </a:xfrm>
             <a:prstGeom prst="line">
               <a:avLst/>
             </a:prstGeom>
+            <a:ln>
+              <a:solidFill>
+                <a:schemeClr val="accent2">
+                  <a:lumMod val="75000"/>
+                </a:schemeClr>
+              </a:solidFill>
+            </a:ln>
           </p:spPr>
           <p:style>
             <a:lnRef idx="1">
@@ -4856,10 +4857,10 @@
         </p:cxnSp>
         <p:cxnSp>
           <p:nvCxnSpPr>
-            <p:cNvPr id="34" name="Straight Connector 33">
+            <p:cNvPr id="108" name="Straight Connector 107">
               <a:extLst>
                 <a:ext uri="{FF2B5EF4-FFF2-40B4-BE49-F238E27FC236}">
-                  <a16:creationId xmlns:a16="http://schemas.microsoft.com/office/drawing/2014/main" id="{45FA8922-B371-1544-8235-4A982BF3FAF6}"/>
+                  <a16:creationId xmlns:a16="http://schemas.microsoft.com/office/drawing/2014/main" id="{6EC0362C-DF79-5E46-88A9-7B2F4DD688BD}"/>
                 </a:ext>
               </a:extLst>
             </p:cNvPr>
@@ -4870,12 +4871,19 @@
           </p:nvCxnSpPr>
           <p:spPr>
             <a:xfrm flipV="1">
-              <a:off x="8851283" y="2288885"/>
-              <a:ext cx="0" cy="965216"/>
+              <a:off x="8851283" y="2287107"/>
+              <a:ext cx="0" cy="966994"/>
             </a:xfrm>
             <a:prstGeom prst="line">
               <a:avLst/>
             </a:prstGeom>
+            <a:ln>
+              <a:solidFill>
+                <a:schemeClr val="accent2">
+                  <a:lumMod val="75000"/>
+                </a:schemeClr>
+              </a:solidFill>
+            </a:ln>
           </p:spPr>
           <p:style>
             <a:lnRef idx="1">
@@ -4894,10 +4902,10 @@
         </p:cxnSp>
         <p:cxnSp>
           <p:nvCxnSpPr>
-            <p:cNvPr id="35" name="Straight Connector 34">
+            <p:cNvPr id="109" name="Straight Connector 108">
               <a:extLst>
                 <a:ext uri="{FF2B5EF4-FFF2-40B4-BE49-F238E27FC236}">
-                  <a16:creationId xmlns:a16="http://schemas.microsoft.com/office/drawing/2014/main" id="{9E56EC9E-78B9-C841-A29A-5922FA49B149}"/>
+                  <a16:creationId xmlns:a16="http://schemas.microsoft.com/office/drawing/2014/main" id="{8D244765-328D-384E-BDDB-18A5AB879F89}"/>
                 </a:ext>
               </a:extLst>
             </p:cNvPr>
@@ -4908,12 +4916,19 @@
           </p:nvCxnSpPr>
           <p:spPr>
             <a:xfrm flipV="1">
-              <a:off x="11404651" y="2242095"/>
-              <a:ext cx="0" cy="1018691"/>
+              <a:off x="11404651" y="2273739"/>
+              <a:ext cx="0" cy="959890"/>
             </a:xfrm>
             <a:prstGeom prst="line">
               <a:avLst/>
             </a:prstGeom>
+            <a:ln>
+              <a:solidFill>
+                <a:schemeClr val="accent2">
+                  <a:lumMod val="75000"/>
+                </a:schemeClr>
+              </a:solidFill>
+            </a:ln>
           </p:spPr>
           <p:style>
             <a:lnRef idx="1">
@@ -4932,10 +4947,10 @@
         </p:cxnSp>
         <p:cxnSp>
           <p:nvCxnSpPr>
-            <p:cNvPr id="36" name="Straight Connector 35">
+            <p:cNvPr id="110" name="Straight Connector 109">
               <a:extLst>
                 <a:ext uri="{FF2B5EF4-FFF2-40B4-BE49-F238E27FC236}">
-                  <a16:creationId xmlns:a16="http://schemas.microsoft.com/office/drawing/2014/main" id="{E42703CD-C2A8-2740-B336-966DAD62AC8C}"/>
+                  <a16:creationId xmlns:a16="http://schemas.microsoft.com/office/drawing/2014/main" id="{19549DEA-7F48-A24A-A658-470BD2C1801C}"/>
                 </a:ext>
               </a:extLst>
             </p:cNvPr>
@@ -4946,12 +4961,19 @@
           </p:nvCxnSpPr>
           <p:spPr>
             <a:xfrm flipV="1">
-              <a:off x="4346125" y="2977093"/>
-              <a:ext cx="0" cy="1647005"/>
+              <a:off x="4346125" y="3007629"/>
+              <a:ext cx="0" cy="1596416"/>
             </a:xfrm>
             <a:prstGeom prst="line">
               <a:avLst/>
             </a:prstGeom>
+            <a:ln>
+              <a:solidFill>
+                <a:schemeClr val="accent2">
+                  <a:lumMod val="75000"/>
+                </a:schemeClr>
+              </a:solidFill>
+            </a:ln>
           </p:spPr>
           <p:style>
             <a:lnRef idx="1">
@@ -4970,10 +4992,10 @@
         </p:cxnSp>
         <p:cxnSp>
           <p:nvCxnSpPr>
-            <p:cNvPr id="37" name="Straight Connector 36">
+            <p:cNvPr id="111" name="Straight Connector 110">
               <a:extLst>
                 <a:ext uri="{FF2B5EF4-FFF2-40B4-BE49-F238E27FC236}">
-                  <a16:creationId xmlns:a16="http://schemas.microsoft.com/office/drawing/2014/main" id="{440749D8-7014-B24C-AE4E-B3EA65891365}"/>
+                  <a16:creationId xmlns:a16="http://schemas.microsoft.com/office/drawing/2014/main" id="{8873EE4D-6E2E-4442-9FA9-90B90D648743}"/>
                 </a:ext>
               </a:extLst>
             </p:cNvPr>
@@ -4984,12 +5006,19 @@
           </p:nvCxnSpPr>
           <p:spPr>
             <a:xfrm flipV="1">
-              <a:off x="6879440" y="2983777"/>
-              <a:ext cx="0" cy="1647005"/>
+              <a:off x="6879440" y="3007629"/>
+              <a:ext cx="0" cy="1596416"/>
             </a:xfrm>
             <a:prstGeom prst="line">
               <a:avLst/>
             </a:prstGeom>
+            <a:ln>
+              <a:solidFill>
+                <a:schemeClr val="accent2">
+                  <a:lumMod val="75000"/>
+                </a:schemeClr>
+              </a:solidFill>
+            </a:ln>
           </p:spPr>
           <p:style>
             <a:lnRef idx="1">
@@ -5008,10 +5037,10 @@
         </p:cxnSp>
         <p:cxnSp>
           <p:nvCxnSpPr>
-            <p:cNvPr id="38" name="Straight Connector 37">
+            <p:cNvPr id="112" name="Straight Connector 111">
               <a:extLst>
                 <a:ext uri="{FF2B5EF4-FFF2-40B4-BE49-F238E27FC236}">
-                  <a16:creationId xmlns:a16="http://schemas.microsoft.com/office/drawing/2014/main" id="{C1ED3C9C-F0A0-EF4D-BF5D-98E36C7F2238}"/>
+                  <a16:creationId xmlns:a16="http://schemas.microsoft.com/office/drawing/2014/main" id="{D8D6ACA6-D535-204E-9CD5-FB9112348E6C}"/>
                 </a:ext>
               </a:extLst>
             </p:cNvPr>
@@ -5022,12 +5051,19 @@
           </p:nvCxnSpPr>
           <p:spPr>
             <a:xfrm flipV="1">
-              <a:off x="9339229" y="2997145"/>
-              <a:ext cx="0" cy="1647005"/>
+              <a:off x="9339229" y="3010781"/>
+              <a:ext cx="0" cy="1600215"/>
             </a:xfrm>
             <a:prstGeom prst="line">
               <a:avLst/>
             </a:prstGeom>
+            <a:ln>
+              <a:solidFill>
+                <a:schemeClr val="accent2">
+                  <a:lumMod val="75000"/>
+                </a:schemeClr>
+              </a:solidFill>
+            </a:ln>
           </p:spPr>
           <p:style>
             <a:lnRef idx="1">
@@ -5046,10 +5082,10 @@
         </p:cxnSp>
         <p:cxnSp>
           <p:nvCxnSpPr>
-            <p:cNvPr id="39" name="Straight Connector 38">
+            <p:cNvPr id="113" name="Straight Connector 112">
               <a:extLst>
                 <a:ext uri="{FF2B5EF4-FFF2-40B4-BE49-F238E27FC236}">
-                  <a16:creationId xmlns:a16="http://schemas.microsoft.com/office/drawing/2014/main" id="{5243DDB2-A3C9-A54F-B5CC-1D78E3FD2455}"/>
+                  <a16:creationId xmlns:a16="http://schemas.microsoft.com/office/drawing/2014/main" id="{7A89A380-08B1-254C-AF30-5183A4F5F425}"/>
                 </a:ext>
               </a:extLst>
             </p:cNvPr>
@@ -5060,12 +5096,19 @@
           </p:nvCxnSpPr>
           <p:spPr>
             <a:xfrm flipV="1">
-              <a:off x="11377913" y="3615892"/>
-              <a:ext cx="0" cy="968370"/>
+              <a:off x="11377913" y="3605407"/>
+              <a:ext cx="0" cy="998638"/>
             </a:xfrm>
             <a:prstGeom prst="line">
               <a:avLst/>
             </a:prstGeom>
+            <a:ln>
+              <a:solidFill>
+                <a:schemeClr val="accent2">
+                  <a:lumMod val="75000"/>
+                </a:schemeClr>
+              </a:solidFill>
+            </a:ln>
           </p:spPr>
           <p:style>
             <a:lnRef idx="1">
@@ -5084,10 +5127,10 @@
         </p:cxnSp>
         <p:cxnSp>
           <p:nvCxnSpPr>
-            <p:cNvPr id="40" name="Straight Connector 39">
+            <p:cNvPr id="114" name="Straight Connector 113">
               <a:extLst>
                 <a:ext uri="{FF2B5EF4-FFF2-40B4-BE49-F238E27FC236}">
-                  <a16:creationId xmlns:a16="http://schemas.microsoft.com/office/drawing/2014/main" id="{75D53B33-179A-FD4D-B1E6-1782E3A1726B}"/>
+                  <a16:creationId xmlns:a16="http://schemas.microsoft.com/office/drawing/2014/main" id="{ACF3E9FE-3F37-B54E-85DD-B0CD9467BC31}"/>
                 </a:ext>
               </a:extLst>
             </p:cNvPr>
@@ -5098,12 +5141,19 @@
           </p:nvCxnSpPr>
           <p:spPr>
             <a:xfrm flipV="1">
-              <a:off x="5582702" y="3598723"/>
-              <a:ext cx="6684" cy="1018691"/>
+              <a:off x="5582702" y="3612359"/>
+              <a:ext cx="0" cy="991686"/>
             </a:xfrm>
             <a:prstGeom prst="line">
               <a:avLst/>
             </a:prstGeom>
+            <a:ln>
+              <a:solidFill>
+                <a:schemeClr val="accent2">
+                  <a:lumMod val="75000"/>
+                </a:schemeClr>
+              </a:solidFill>
+            </a:ln>
           </p:spPr>
           <p:style>
             <a:lnRef idx="1">
@@ -5122,10 +5172,56 @@
         </p:cxnSp>
         <p:cxnSp>
           <p:nvCxnSpPr>
-            <p:cNvPr id="41" name="Straight Connector 40">
+            <p:cNvPr id="115" name="Straight Connector 114">
               <a:extLst>
                 <a:ext uri="{FF2B5EF4-FFF2-40B4-BE49-F238E27FC236}">
-                  <a16:creationId xmlns:a16="http://schemas.microsoft.com/office/drawing/2014/main" id="{73D50659-40B6-224C-8695-6BD7BF105667}"/>
+                  <a16:creationId xmlns:a16="http://schemas.microsoft.com/office/drawing/2014/main" id="{B0745797-8205-D64A-BE74-7948D92B6F86}"/>
+                </a:ext>
+              </a:extLst>
+            </p:cNvPr>
+            <p:cNvCxnSpPr>
+              <a:cxnSpLocks/>
+              <a:endCxn id="90" idx="2"/>
+            </p:cNvCxnSpPr>
+            <p:nvPr/>
+          </p:nvCxnSpPr>
+          <p:spPr>
+            <a:xfrm flipV="1">
+              <a:off x="8109333" y="3612359"/>
+              <a:ext cx="3212" cy="991688"/>
+            </a:xfrm>
+            <a:prstGeom prst="line">
+              <a:avLst/>
+            </a:prstGeom>
+            <a:ln>
+              <a:solidFill>
+                <a:schemeClr val="accent2">
+                  <a:lumMod val="75000"/>
+                </a:schemeClr>
+              </a:solidFill>
+            </a:ln>
+          </p:spPr>
+          <p:style>
+            <a:lnRef idx="1">
+              <a:schemeClr val="accent4"/>
+            </a:lnRef>
+            <a:fillRef idx="0">
+              <a:schemeClr val="accent4"/>
+            </a:fillRef>
+            <a:effectRef idx="0">
+              <a:schemeClr val="accent4"/>
+            </a:effectRef>
+            <a:fontRef idx="minor">
+              <a:schemeClr val="tx1"/>
+            </a:fontRef>
+          </p:style>
+        </p:cxnSp>
+        <p:cxnSp>
+          <p:nvCxnSpPr>
+            <p:cNvPr id="116" name="Straight Connector 115">
+              <a:extLst>
+                <a:ext uri="{FF2B5EF4-FFF2-40B4-BE49-F238E27FC236}">
+                  <a16:creationId xmlns:a16="http://schemas.microsoft.com/office/drawing/2014/main" id="{B147AFBC-C25D-8144-9124-E4FD68A5CDCF}"/>
                 </a:ext>
               </a:extLst>
             </p:cNvPr>
@@ -5136,50 +5232,19 @@
           </p:nvCxnSpPr>
           <p:spPr>
             <a:xfrm flipV="1">
-              <a:off x="8109333" y="3585354"/>
-              <a:ext cx="6684" cy="1018691"/>
+              <a:off x="3189754" y="3612360"/>
+              <a:ext cx="0" cy="991685"/>
             </a:xfrm>
             <a:prstGeom prst="line">
               <a:avLst/>
             </a:prstGeom>
-          </p:spPr>
-          <p:style>
-            <a:lnRef idx="1">
-              <a:schemeClr val="accent4"/>
-            </a:lnRef>
-            <a:fillRef idx="0">
-              <a:schemeClr val="accent4"/>
-            </a:fillRef>
-            <a:effectRef idx="0">
-              <a:schemeClr val="accent4"/>
-            </a:effectRef>
-            <a:fontRef idx="minor">
-              <a:schemeClr val="tx1"/>
-            </a:fontRef>
-          </p:style>
-        </p:cxnSp>
-        <p:cxnSp>
-          <p:nvCxnSpPr>
-            <p:cNvPr id="42" name="Straight Connector 41">
-              <a:extLst>
-                <a:ext uri="{FF2B5EF4-FFF2-40B4-BE49-F238E27FC236}">
-                  <a16:creationId xmlns:a16="http://schemas.microsoft.com/office/drawing/2014/main" id="{8FC8CE4A-C614-AD49-8B0B-BDCD120D7329}"/>
-                </a:ext>
-              </a:extLst>
-            </p:cNvPr>
-            <p:cNvCxnSpPr>
-              <a:cxnSpLocks/>
-            </p:cNvCxnSpPr>
-            <p:nvPr/>
-          </p:nvCxnSpPr>
-          <p:spPr>
-            <a:xfrm flipV="1">
-              <a:off x="3189754" y="3605406"/>
-              <a:ext cx="6684" cy="1018691"/>
-            </a:xfrm>
-            <a:prstGeom prst="line">
-              <a:avLst/>
-            </a:prstGeom>
+            <a:ln>
+              <a:solidFill>
+                <a:schemeClr val="accent2">
+                  <a:lumMod val="75000"/>
+                </a:schemeClr>
+              </a:solidFill>
+            </a:ln>
           </p:spPr>
           <p:style>
             <a:lnRef idx="1">

--- a/docs/diagrams/LogicCommandBankPackage.pptx
+++ b/docs/diagrams/LogicCommandBankPackage.pptx
@@ -261,7 +261,7 @@
           <a:p>
             <a:fld id="{E1F5E2C2-3E2F-E344-A488-DA00C8D23224}" type="datetimeFigureOut">
               <a:rPr lang="en-US" smtClean="0"/>
-              <a:t>10/31/19</a:t>
+              <a:t>11/8/19</a:t>
             </a:fld>
             <a:endParaRPr lang="en-US"/>
           </a:p>
@@ -461,7 +461,7 @@
           <a:p>
             <a:fld id="{E1F5E2C2-3E2F-E344-A488-DA00C8D23224}" type="datetimeFigureOut">
               <a:rPr lang="en-US" smtClean="0"/>
-              <a:t>10/31/19</a:t>
+              <a:t>11/8/19</a:t>
             </a:fld>
             <a:endParaRPr lang="en-US"/>
           </a:p>
@@ -671,7 +671,7 @@
           <a:p>
             <a:fld id="{E1F5E2C2-3E2F-E344-A488-DA00C8D23224}" type="datetimeFigureOut">
               <a:rPr lang="en-US" smtClean="0"/>
-              <a:t>10/31/19</a:t>
+              <a:t>11/8/19</a:t>
             </a:fld>
             <a:endParaRPr lang="en-US"/>
           </a:p>
@@ -871,7 +871,7 @@
           <a:p>
             <a:fld id="{E1F5E2C2-3E2F-E344-A488-DA00C8D23224}" type="datetimeFigureOut">
               <a:rPr lang="en-US" smtClean="0"/>
-              <a:t>10/31/19</a:t>
+              <a:t>11/8/19</a:t>
             </a:fld>
             <a:endParaRPr lang="en-US"/>
           </a:p>
@@ -1147,7 +1147,7 @@
           <a:p>
             <a:fld id="{E1F5E2C2-3E2F-E344-A488-DA00C8D23224}" type="datetimeFigureOut">
               <a:rPr lang="en-US" smtClean="0"/>
-              <a:t>10/31/19</a:t>
+              <a:t>11/8/19</a:t>
             </a:fld>
             <a:endParaRPr lang="en-US"/>
           </a:p>
@@ -1415,7 +1415,7 @@
           <a:p>
             <a:fld id="{E1F5E2C2-3E2F-E344-A488-DA00C8D23224}" type="datetimeFigureOut">
               <a:rPr lang="en-US" smtClean="0"/>
-              <a:t>10/31/19</a:t>
+              <a:t>11/8/19</a:t>
             </a:fld>
             <a:endParaRPr lang="en-US"/>
           </a:p>
@@ -1830,7 +1830,7 @@
           <a:p>
             <a:fld id="{E1F5E2C2-3E2F-E344-A488-DA00C8D23224}" type="datetimeFigureOut">
               <a:rPr lang="en-US" smtClean="0"/>
-              <a:t>10/31/19</a:t>
+              <a:t>11/8/19</a:t>
             </a:fld>
             <a:endParaRPr lang="en-US"/>
           </a:p>
@@ -1972,7 +1972,7 @@
           <a:p>
             <a:fld id="{E1F5E2C2-3E2F-E344-A488-DA00C8D23224}" type="datetimeFigureOut">
               <a:rPr lang="en-US" smtClean="0"/>
-              <a:t>10/31/19</a:t>
+              <a:t>11/8/19</a:t>
             </a:fld>
             <a:endParaRPr lang="en-US"/>
           </a:p>
@@ -2085,7 +2085,7 @@
           <a:p>
             <a:fld id="{E1F5E2C2-3E2F-E344-A488-DA00C8D23224}" type="datetimeFigureOut">
               <a:rPr lang="en-US" smtClean="0"/>
-              <a:t>10/31/19</a:t>
+              <a:t>11/8/19</a:t>
             </a:fld>
             <a:endParaRPr lang="en-US"/>
           </a:p>
@@ -2398,7 +2398,7 @@
           <a:p>
             <a:fld id="{E1F5E2C2-3E2F-E344-A488-DA00C8D23224}" type="datetimeFigureOut">
               <a:rPr lang="en-US" smtClean="0"/>
-              <a:t>10/31/19</a:t>
+              <a:t>11/8/19</a:t>
             </a:fld>
             <a:endParaRPr lang="en-US"/>
           </a:p>
@@ -2687,7 +2687,7 @@
           <a:p>
             <a:fld id="{E1F5E2C2-3E2F-E344-A488-DA00C8D23224}" type="datetimeFigureOut">
               <a:rPr lang="en-US" smtClean="0"/>
-              <a:t>10/31/19</a:t>
+              <a:t>11/8/19</a:t>
             </a:fld>
             <a:endParaRPr lang="en-US"/>
           </a:p>
@@ -2930,7 +2930,7 @@
           <a:p>
             <a:fld id="{E1F5E2C2-3E2F-E344-A488-DA00C8D23224}" type="datetimeFigureOut">
               <a:rPr lang="en-US" smtClean="0"/>
-              <a:t>10/31/19</a:t>
+              <a:t>11/8/19</a:t>
             </a:fld>
             <a:endParaRPr lang="en-US"/>
           </a:p>
@@ -3349,10 +3349,10 @@
       </p:grpSpPr>
       <p:grpSp>
         <p:nvGrpSpPr>
-          <p:cNvPr id="81" name="Group 80">
-            <a:extLst>
-              <a:ext uri="{FF2B5EF4-FFF2-40B4-BE49-F238E27FC236}">
-                <a16:creationId xmlns:a16="http://schemas.microsoft.com/office/drawing/2014/main" id="{171EC49F-9E43-AB4C-8958-291FE92204A4}"/>
+          <p:cNvPr id="9" name="Group 8">
+            <a:extLst>
+              <a:ext uri="{FF2B5EF4-FFF2-40B4-BE49-F238E27FC236}">
+                <a16:creationId xmlns:a16="http://schemas.microsoft.com/office/drawing/2014/main" id="{07DBAFBD-BD60-EB4D-9007-870A8141C273}"/>
               </a:ext>
             </a:extLst>
           </p:cNvPr>
@@ -3361,12 +3361,75 @@
         </p:nvGrpSpPr>
         <p:grpSpPr>
           <a:xfrm>
-            <a:off x="393260" y="255740"/>
-            <a:ext cx="11405480" cy="6346520"/>
-            <a:chOff x="383233" y="183675"/>
-            <a:chExt cx="11405480" cy="6346520"/>
+            <a:off x="398397" y="255740"/>
+            <a:ext cx="11395205" cy="6346520"/>
+            <a:chOff x="398397" y="255740"/>
+            <a:chExt cx="11395205" cy="6346520"/>
           </a:xfrm>
         </p:grpSpPr>
+        <p:sp>
+          <p:nvSpPr>
+            <p:cNvPr id="47" name="Rounded Rectangle 145">
+              <a:extLst>
+                <a:ext uri="{FF2B5EF4-FFF2-40B4-BE49-F238E27FC236}">
+                  <a16:creationId xmlns:a16="http://schemas.microsoft.com/office/drawing/2014/main" id="{7F86B7EB-B0C1-B645-9C1F-657EB5CA88F0}"/>
+                </a:ext>
+              </a:extLst>
+            </p:cNvPr>
+            <p:cNvSpPr/>
+            <p:nvPr/>
+          </p:nvSpPr>
+          <p:spPr>
+            <a:xfrm>
+              <a:off x="1228918" y="1852156"/>
+              <a:ext cx="10563167" cy="3997048"/>
+            </a:xfrm>
+            <a:prstGeom prst="roundRect">
+              <a:avLst>
+                <a:gd name="adj" fmla="val 4363"/>
+              </a:avLst>
+            </a:prstGeom>
+            <a:solidFill>
+              <a:schemeClr val="accent2">
+                <a:lumMod val="20000"/>
+                <a:lumOff val="80000"/>
+              </a:schemeClr>
+            </a:solidFill>
+            <a:ln>
+              <a:solidFill>
+                <a:schemeClr val="accent2">
+                  <a:lumMod val="20000"/>
+                  <a:lumOff val="80000"/>
+                </a:schemeClr>
+              </a:solidFill>
+              <a:prstDash val="solid"/>
+            </a:ln>
+          </p:spPr>
+          <p:style>
+            <a:lnRef idx="2">
+              <a:schemeClr val="accent1">
+                <a:shade val="50000"/>
+              </a:schemeClr>
+            </a:lnRef>
+            <a:fillRef idx="1">
+              <a:schemeClr val="accent1"/>
+            </a:fillRef>
+            <a:effectRef idx="0">
+              <a:schemeClr val="accent1"/>
+            </a:effectRef>
+            <a:fontRef idx="minor">
+              <a:schemeClr val="lt1"/>
+            </a:fontRef>
+          </p:style>
+          <p:txBody>
+            <a:bodyPr rtlCol="0" anchor="ctr"/>
+            <a:lstStyle/>
+            <a:p>
+              <a:pPr algn="ctr"/>
+              <a:endParaRPr lang="en-US"/>
+            </a:p>
+          </p:txBody>
+        </p:sp>
         <p:sp>
           <p:nvSpPr>
             <p:cNvPr id="82" name="Rounded Rectangle 145">
@@ -3381,12 +3444,12 @@
           </p:nvSpPr>
           <p:spPr>
             <a:xfrm>
-              <a:off x="1225546" y="183675"/>
-              <a:ext cx="10563167" cy="5590979"/>
+              <a:off x="1230435" y="255740"/>
+              <a:ext cx="10563167" cy="1450197"/>
             </a:xfrm>
             <a:prstGeom prst="roundRect">
               <a:avLst>
-                <a:gd name="adj" fmla="val 4363"/>
+                <a:gd name="adj" fmla="val 10886"/>
               </a:avLst>
             </a:prstGeom>
             <a:solidFill>
@@ -3426,7 +3489,7 @@
             <a:lstStyle/>
             <a:p>
               <a:pPr algn="ctr"/>
-              <a:endParaRPr lang="en-US"/>
+              <a:endParaRPr lang="en-US" dirty="0"/>
             </a:p>
           </p:txBody>
         </p:sp>
@@ -3444,8 +3507,8 @@
           </p:nvSpPr>
           <p:spPr>
             <a:xfrm>
-              <a:off x="5465655" y="1617067"/>
-              <a:ext cx="1982688" cy="376683"/>
+              <a:off x="5354934" y="749005"/>
+              <a:ext cx="1982688" cy="444456"/>
             </a:xfrm>
             <a:prstGeom prst="roundRect">
               <a:avLst>
@@ -3453,11 +3516,17 @@
               </a:avLst>
             </a:prstGeom>
             <a:solidFill>
-              <a:srgbClr val="FFC000"/>
+              <a:schemeClr val="accent5">
+                <a:lumMod val="40000"/>
+                <a:lumOff val="60000"/>
+              </a:schemeClr>
             </a:solidFill>
             <a:ln>
               <a:solidFill>
-                <a:srgbClr val="FFC000"/>
+                <a:schemeClr val="accent1">
+                  <a:lumMod val="20000"/>
+                  <a:lumOff val="80000"/>
+                </a:schemeClr>
               </a:solidFill>
             </a:ln>
           </p:spPr>
@@ -3483,7 +3552,7 @@
             <a:p>
               <a:pPr algn="ctr"/>
               <a:r>
-                <a:rPr lang="en-US" sz="1300">
+                <a:rPr lang="en-US" sz="1300" dirty="0">
                   <a:solidFill>
                     <a:schemeClr val="tx1"/>
                   </a:solidFill>
@@ -3496,7 +3565,7 @@
             <a:p>
               <a:pPr algn="ctr"/>
               <a:r>
-                <a:rPr lang="en-US" sz="1300">
+                <a:rPr lang="en-US" sz="1300" dirty="0">
                   <a:solidFill>
                     <a:schemeClr val="tx1"/>
                   </a:solidFill>
@@ -3522,7 +3591,7 @@
           </p:nvSpPr>
           <p:spPr>
             <a:xfrm>
-              <a:off x="1348182" y="2646683"/>
+              <a:off x="1353071" y="3013036"/>
               <a:ext cx="2076266" cy="355964"/>
             </a:xfrm>
             <a:prstGeom prst="roundRect">
@@ -3561,7 +3630,7 @@
             <a:p>
               <a:pPr algn="ctr"/>
               <a:r>
-                <a:rPr lang="en-US" sz="1300">
+                <a:rPr lang="en-US" sz="1300" dirty="0" err="1">
                   <a:solidFill>
                     <a:schemeClr val="tx1"/>
                   </a:solidFill>
@@ -3570,7 +3639,7 @@
                 </a:rPr>
                 <a:t>AddInvestmentCommand</a:t>
               </a:r>
-              <a:endParaRPr lang="en-US" sz="1300">
+              <a:endParaRPr lang="en-US" sz="1300" dirty="0">
                 <a:solidFill>
                   <a:schemeClr val="tx1"/>
                 </a:solidFill>
@@ -3594,7 +3663,7 @@
           </p:nvSpPr>
           <p:spPr>
             <a:xfrm>
-              <a:off x="3856098" y="2631613"/>
+              <a:off x="3860987" y="2997966"/>
               <a:ext cx="2316898" cy="376016"/>
             </a:xfrm>
             <a:prstGeom prst="roundRect">
@@ -3666,7 +3735,7 @@
           </p:nvSpPr>
           <p:spPr>
             <a:xfrm>
-              <a:off x="6637532" y="2641640"/>
+              <a:off x="6642421" y="3007993"/>
               <a:ext cx="1982688" cy="369332"/>
             </a:xfrm>
             <a:prstGeom prst="roundRect">
@@ -3738,7 +3807,7 @@
           </p:nvSpPr>
           <p:spPr>
             <a:xfrm>
-              <a:off x="9019518" y="2628080"/>
+              <a:off x="9024407" y="2994433"/>
               <a:ext cx="2103003" cy="382700"/>
             </a:xfrm>
             <a:prstGeom prst="roundRect">
@@ -3810,7 +3879,7 @@
           </p:nvSpPr>
           <p:spPr>
             <a:xfrm>
-              <a:off x="2178361" y="3246560"/>
+              <a:off x="2183250" y="3612913"/>
               <a:ext cx="1982688" cy="369332"/>
             </a:xfrm>
             <a:prstGeom prst="roundRect">
@@ -3882,7 +3951,7 @@
           </p:nvSpPr>
           <p:spPr>
             <a:xfrm>
-              <a:off x="4517833" y="3246560"/>
+              <a:off x="4522722" y="3612913"/>
               <a:ext cx="2069582" cy="369332"/>
             </a:xfrm>
             <a:prstGeom prst="roundRect">
@@ -3954,7 +4023,7 @@
           </p:nvSpPr>
           <p:spPr>
             <a:xfrm>
-              <a:off x="7087780" y="3249711"/>
+              <a:off x="7092669" y="3616064"/>
               <a:ext cx="2049530" cy="362648"/>
             </a:xfrm>
             <a:prstGeom prst="roundRect">
@@ -4026,7 +4095,7 @@
           </p:nvSpPr>
           <p:spPr>
             <a:xfrm>
-              <a:off x="9565518" y="3233629"/>
+              <a:off x="9570407" y="3599982"/>
               <a:ext cx="2049530" cy="362648"/>
             </a:xfrm>
             <a:prstGeom prst="roundRect">
@@ -4065,7 +4134,7 @@
             <a:p>
               <a:pPr algn="ctr"/>
               <a:r>
-                <a:rPr lang="en-US" sz="1300">
+                <a:rPr lang="en-US" sz="1300" dirty="0" err="1">
                   <a:solidFill>
                     <a:schemeClr val="tx1"/>
                   </a:solidFill>
@@ -4074,7 +4143,7 @@
                 </a:rPr>
                 <a:t>ListSavingsCommand</a:t>
               </a:r>
-              <a:endParaRPr lang="en-US" sz="1300">
+              <a:endParaRPr lang="en-US" sz="1300" dirty="0">
                 <a:solidFill>
                   <a:schemeClr val="tx1"/>
                 </a:solidFill>
@@ -4098,8 +4167,8 @@
           </p:nvSpPr>
           <p:spPr>
             <a:xfrm>
-              <a:off x="1303421" y="248117"/>
-              <a:ext cx="3175678" cy="369332"/>
+              <a:off x="1308310" y="320182"/>
+              <a:ext cx="1760418" cy="369332"/>
             </a:xfrm>
             <a:prstGeom prst="rect">
               <a:avLst/>
@@ -4113,8 +4182,8 @@
             <a:lstStyle/>
             <a:p>
               <a:r>
-                <a:rPr lang="en-US" b="1"/>
-                <a:t>Logic, Command, Bank Package</a:t>
+                <a:rPr lang="en-US" b="1" dirty="0"/>
+                <a:t>Logic, Command</a:t>
               </a:r>
             </a:p>
           </p:txBody>
@@ -4133,7 +4202,7 @@
           </p:nvSpPr>
           <p:spPr>
             <a:xfrm>
-              <a:off x="1303421" y="6000533"/>
+              <a:off x="1308310" y="6072598"/>
               <a:ext cx="10483775" cy="529662"/>
             </a:xfrm>
             <a:prstGeom prst="roundRect">
@@ -4197,8 +4266,8 @@
           </p:nvSpPr>
           <p:spPr>
             <a:xfrm rot="16200000">
-              <a:off x="-2045605" y="2712777"/>
-              <a:ext cx="5568378" cy="710702"/>
+              <a:off x="-2042984" y="2697121"/>
+              <a:ext cx="5593464" cy="710702"/>
             </a:xfrm>
             <a:prstGeom prst="roundRect">
               <a:avLst/>
@@ -4266,7 +4335,7 @@
           </p:nvSpPr>
           <p:spPr>
             <a:xfrm>
-              <a:off x="6308935" y="1998031"/>
+              <a:off x="6227125" y="1208612"/>
               <a:ext cx="238306" cy="98868"/>
             </a:xfrm>
             <a:prstGeom prst="triangle">
@@ -4325,53 +4394,8 @@
           </p:nvCxnSpPr>
           <p:spPr>
             <a:xfrm>
-              <a:off x="1665759" y="2273355"/>
+              <a:off x="1670648" y="2639708"/>
               <a:ext cx="9735418" cy="386"/>
-            </a:xfrm>
-            <a:prstGeom prst="line">
-              <a:avLst/>
-            </a:prstGeom>
-            <a:ln>
-              <a:solidFill>
-                <a:schemeClr val="accent2">
-                  <a:lumMod val="75000"/>
-                </a:schemeClr>
-              </a:solidFill>
-            </a:ln>
-          </p:spPr>
-          <p:style>
-            <a:lnRef idx="1">
-              <a:schemeClr val="accent4"/>
-            </a:lnRef>
-            <a:fillRef idx="0">
-              <a:schemeClr val="accent4"/>
-            </a:fillRef>
-            <a:effectRef idx="0">
-              <a:schemeClr val="accent4"/>
-            </a:effectRef>
-            <a:fontRef idx="minor">
-              <a:schemeClr val="tx1"/>
-            </a:fontRef>
-          </p:style>
-        </p:cxnSp>
-        <p:cxnSp>
-          <p:nvCxnSpPr>
-            <p:cNvPr id="97" name="Straight Connector 96">
-              <a:extLst>
-                <a:ext uri="{FF2B5EF4-FFF2-40B4-BE49-F238E27FC236}">
-                  <a16:creationId xmlns:a16="http://schemas.microsoft.com/office/drawing/2014/main" id="{4DB9B7F4-12AB-B448-9E25-1F988A368CF9}"/>
-                </a:ext>
-              </a:extLst>
-            </p:cNvPr>
-            <p:cNvCxnSpPr>
-              <a:cxnSpLocks/>
-            </p:cNvCxnSpPr>
-            <p:nvPr/>
-          </p:nvCxnSpPr>
-          <p:spPr>
-            <a:xfrm flipV="1">
-              <a:off x="6424915" y="2096899"/>
-              <a:ext cx="0" cy="198671"/>
             </a:xfrm>
             <a:prstGeom prst="line">
               <a:avLst/>
@@ -4415,7 +4439,7 @@
           </p:nvCxnSpPr>
           <p:spPr>
             <a:xfrm flipV="1">
-              <a:off x="1660901" y="4604045"/>
+              <a:off x="1665790" y="4970398"/>
               <a:ext cx="9717012" cy="0"/>
             </a:xfrm>
             <a:prstGeom prst="line">
@@ -4460,7 +4484,7 @@
           </p:nvCxnSpPr>
           <p:spPr>
             <a:xfrm flipV="1">
-              <a:off x="1660901" y="3010783"/>
+              <a:off x="1665790" y="3377136"/>
               <a:ext cx="0" cy="1593262"/>
             </a:xfrm>
             <a:prstGeom prst="line">
@@ -4506,8 +4530,8 @@
           </p:nvCxnSpPr>
           <p:spPr>
             <a:xfrm flipV="1">
-              <a:off x="6545309" y="4604045"/>
-              <a:ext cx="0" cy="1396488"/>
+              <a:off x="6550198" y="4970398"/>
+              <a:ext cx="0" cy="1102200"/>
             </a:xfrm>
             <a:prstGeom prst="straightConnector1">
               <a:avLst/>
@@ -4553,9 +4577,9 @@
             <p:nvPr/>
           </p:nvCxnSpPr>
           <p:spPr>
-            <a:xfrm flipV="1">
-              <a:off x="1093936" y="1809085"/>
-              <a:ext cx="4371719" cy="0"/>
+            <a:xfrm>
+              <a:off x="1098825" y="1008795"/>
+              <a:ext cx="4256109" cy="0"/>
             </a:xfrm>
             <a:prstGeom prst="straightConnector1">
               <a:avLst/>
@@ -4600,7 +4624,7 @@
           </p:nvCxnSpPr>
           <p:spPr>
             <a:xfrm flipH="1" flipV="1">
-              <a:off x="1665759" y="2273355"/>
+              <a:off x="1670648" y="2639708"/>
               <a:ext cx="2" cy="368285"/>
             </a:xfrm>
             <a:prstGeom prst="line">
@@ -4645,8 +4669,8 @@
           </p:nvCxnSpPr>
           <p:spPr>
             <a:xfrm flipV="1">
-              <a:off x="5047966" y="2295572"/>
-              <a:ext cx="0" cy="332508"/>
+              <a:off x="5052855" y="2639708"/>
+              <a:ext cx="0" cy="340437"/>
             </a:xfrm>
             <a:prstGeom prst="line">
               <a:avLst/>
@@ -4691,7 +4715,7 @@
           </p:nvCxnSpPr>
           <p:spPr>
             <a:xfrm flipV="1">
-              <a:off x="7628876" y="2287012"/>
+              <a:off x="7633765" y="2653365"/>
               <a:ext cx="0" cy="354628"/>
             </a:xfrm>
             <a:prstGeom prst="line">
@@ -4736,7 +4760,7 @@
           </p:nvCxnSpPr>
           <p:spPr>
             <a:xfrm flipV="1">
-              <a:off x="10041071" y="2273739"/>
+              <a:off x="10045960" y="2640092"/>
               <a:ext cx="0" cy="354342"/>
             </a:xfrm>
             <a:prstGeom prst="line">
@@ -4781,53 +4805,8 @@
           </p:nvCxnSpPr>
           <p:spPr>
             <a:xfrm flipV="1">
-              <a:off x="3624231" y="2288886"/>
+              <a:off x="3629120" y="2655239"/>
               <a:ext cx="0" cy="965216"/>
-            </a:xfrm>
-            <a:prstGeom prst="line">
-              <a:avLst/>
-            </a:prstGeom>
-            <a:ln>
-              <a:solidFill>
-                <a:schemeClr val="accent2">
-                  <a:lumMod val="75000"/>
-                </a:schemeClr>
-              </a:solidFill>
-            </a:ln>
-          </p:spPr>
-          <p:style>
-            <a:lnRef idx="1">
-              <a:schemeClr val="accent4"/>
-            </a:lnRef>
-            <a:fillRef idx="0">
-              <a:schemeClr val="accent4"/>
-            </a:fillRef>
-            <a:effectRef idx="0">
-              <a:schemeClr val="accent4"/>
-            </a:effectRef>
-            <a:fontRef idx="minor">
-              <a:schemeClr val="tx1"/>
-            </a:fontRef>
-          </p:style>
-        </p:cxnSp>
-        <p:cxnSp>
-          <p:nvCxnSpPr>
-            <p:cNvPr id="107" name="Straight Connector 106">
-              <a:extLst>
-                <a:ext uri="{FF2B5EF4-FFF2-40B4-BE49-F238E27FC236}">
-                  <a16:creationId xmlns:a16="http://schemas.microsoft.com/office/drawing/2014/main" id="{21B5DCCB-DA20-CA47-A82B-F829A470C7A2}"/>
-                </a:ext>
-              </a:extLst>
-            </p:cNvPr>
-            <p:cNvCxnSpPr>
-              <a:cxnSpLocks/>
-            </p:cNvCxnSpPr>
-            <p:nvPr/>
-          </p:nvCxnSpPr>
-          <p:spPr>
-            <a:xfrm flipV="1">
-              <a:off x="6424915" y="2295570"/>
-              <a:ext cx="0" cy="938059"/>
             </a:xfrm>
             <a:prstGeom prst="line">
               <a:avLst/>
@@ -4871,7 +4850,7 @@
           </p:nvCxnSpPr>
           <p:spPr>
             <a:xfrm flipV="1">
-              <a:off x="8851283" y="2287107"/>
+              <a:off x="8856172" y="2653460"/>
               <a:ext cx="0" cy="966994"/>
             </a:xfrm>
             <a:prstGeom prst="line">
@@ -4916,7 +4895,7 @@
           </p:nvCxnSpPr>
           <p:spPr>
             <a:xfrm flipV="1">
-              <a:off x="11404651" y="2273739"/>
+              <a:off x="11409540" y="2640092"/>
               <a:ext cx="0" cy="959890"/>
             </a:xfrm>
             <a:prstGeom prst="line">
@@ -4961,7 +4940,7 @@
           </p:nvCxnSpPr>
           <p:spPr>
             <a:xfrm flipV="1">
-              <a:off x="4346125" y="3007629"/>
+              <a:off x="4351014" y="3373982"/>
               <a:ext cx="0" cy="1596416"/>
             </a:xfrm>
             <a:prstGeom prst="line">
@@ -5006,7 +4985,7 @@
           </p:nvCxnSpPr>
           <p:spPr>
             <a:xfrm flipV="1">
-              <a:off x="6879440" y="3007629"/>
+              <a:off x="6936879" y="3373982"/>
               <a:ext cx="0" cy="1596416"/>
             </a:xfrm>
             <a:prstGeom prst="line">
@@ -5051,7 +5030,7 @@
           </p:nvCxnSpPr>
           <p:spPr>
             <a:xfrm flipV="1">
-              <a:off x="9339229" y="3010781"/>
+              <a:off x="9344118" y="3377134"/>
               <a:ext cx="0" cy="1600215"/>
             </a:xfrm>
             <a:prstGeom prst="line">
@@ -5096,7 +5075,7 @@
           </p:nvCxnSpPr>
           <p:spPr>
             <a:xfrm flipV="1">
-              <a:off x="11377913" y="3605407"/>
+              <a:off x="11382802" y="3971760"/>
               <a:ext cx="0" cy="998638"/>
             </a:xfrm>
             <a:prstGeom prst="line">
@@ -5141,7 +5120,7 @@
           </p:nvCxnSpPr>
           <p:spPr>
             <a:xfrm flipV="1">
-              <a:off x="5582702" y="3612359"/>
+              <a:off x="5587591" y="3978712"/>
               <a:ext cx="0" cy="991686"/>
             </a:xfrm>
             <a:prstGeom prst="line">
@@ -5187,7 +5166,7 @@
           </p:nvCxnSpPr>
           <p:spPr>
             <a:xfrm flipV="1">
-              <a:off x="8109333" y="3612359"/>
+              <a:off x="8114222" y="3978712"/>
               <a:ext cx="3212" cy="991688"/>
             </a:xfrm>
             <a:prstGeom prst="line">
@@ -5232,7 +5211,7 @@
           </p:nvCxnSpPr>
           <p:spPr>
             <a:xfrm flipV="1">
-              <a:off x="3189754" y="3612360"/>
+              <a:off x="3194643" y="3978713"/>
               <a:ext cx="0" cy="991685"/>
             </a:xfrm>
             <a:prstGeom prst="line">
@@ -5261,6 +5240,87 @@
             </a:fontRef>
           </p:style>
         </p:cxnSp>
+        <p:cxnSp>
+          <p:nvCxnSpPr>
+            <p:cNvPr id="44" name="Straight Connector 43">
+              <a:extLst>
+                <a:ext uri="{FF2B5EF4-FFF2-40B4-BE49-F238E27FC236}">
+                  <a16:creationId xmlns:a16="http://schemas.microsoft.com/office/drawing/2014/main" id="{C5020B55-6150-1843-BFFA-583F12297363}"/>
+                </a:ext>
+              </a:extLst>
+            </p:cNvPr>
+            <p:cNvCxnSpPr>
+              <a:cxnSpLocks/>
+              <a:endCxn id="95" idx="3"/>
+            </p:cNvCxnSpPr>
+            <p:nvPr/>
+          </p:nvCxnSpPr>
+          <p:spPr>
+            <a:xfrm flipV="1">
+              <a:off x="6346278" y="1307480"/>
+              <a:ext cx="0" cy="1317280"/>
+            </a:xfrm>
+            <a:prstGeom prst="line">
+              <a:avLst/>
+            </a:prstGeom>
+            <a:ln>
+              <a:solidFill>
+                <a:schemeClr val="accent2">
+                  <a:lumMod val="75000"/>
+                </a:schemeClr>
+              </a:solidFill>
+            </a:ln>
+          </p:spPr>
+          <p:style>
+            <a:lnRef idx="1">
+              <a:schemeClr val="accent4"/>
+            </a:lnRef>
+            <a:fillRef idx="0">
+              <a:schemeClr val="accent4"/>
+            </a:fillRef>
+            <a:effectRef idx="0">
+              <a:schemeClr val="accent4"/>
+            </a:effectRef>
+            <a:fontRef idx="minor">
+              <a:schemeClr val="tx1"/>
+            </a:fontRef>
+          </p:style>
+        </p:cxnSp>
+        <p:sp>
+          <p:nvSpPr>
+            <p:cNvPr id="8" name="Rectangle 7">
+              <a:extLst>
+                <a:ext uri="{FF2B5EF4-FFF2-40B4-BE49-F238E27FC236}">
+                  <a16:creationId xmlns:a16="http://schemas.microsoft.com/office/drawing/2014/main" id="{3C419810-F863-7C41-BADA-54796EA47C94}"/>
+                </a:ext>
+              </a:extLst>
+            </p:cNvPr>
+            <p:cNvSpPr/>
+            <p:nvPr/>
+          </p:nvSpPr>
+          <p:spPr>
+            <a:xfrm>
+              <a:off x="1308310" y="1819125"/>
+              <a:ext cx="1487715" cy="369332"/>
+            </a:xfrm>
+            <a:prstGeom prst="rect">
+              <a:avLst/>
+            </a:prstGeom>
+          </p:spPr>
+          <p:txBody>
+            <a:bodyPr wrap="none">
+              <a:spAutoFit/>
+            </a:bodyPr>
+            <a:lstStyle/>
+            <a:p>
+              <a:r>
+                <a:rPr lang="en-US" b="1" dirty="0"/>
+                <a:t>Bank Package</a:t>
+              </a:r>
+              <a:endParaRPr lang="en-US" dirty="0"/>
+            </a:p>
+          </p:txBody>
+        </p:sp>
       </p:grpSp>
     </p:spTree>
     <p:extLst>

--- a/docs/diagrams/LogicCommandBankPackage.pptx
+++ b/docs/diagrams/LogicCommandBankPackage.pptx
@@ -261,7 +261,7 @@
           <a:p>
             <a:fld id="{E1F5E2C2-3E2F-E344-A488-DA00C8D23224}" type="datetimeFigureOut">
               <a:rPr lang="en-US" smtClean="0"/>
-              <a:t>11/8/19</a:t>
+              <a:t>11/9/19</a:t>
             </a:fld>
             <a:endParaRPr lang="en-US"/>
           </a:p>
@@ -461,7 +461,7 @@
           <a:p>
             <a:fld id="{E1F5E2C2-3E2F-E344-A488-DA00C8D23224}" type="datetimeFigureOut">
               <a:rPr lang="en-US" smtClean="0"/>
-              <a:t>11/8/19</a:t>
+              <a:t>11/9/19</a:t>
             </a:fld>
             <a:endParaRPr lang="en-US"/>
           </a:p>
@@ -671,7 +671,7 @@
           <a:p>
             <a:fld id="{E1F5E2C2-3E2F-E344-A488-DA00C8D23224}" type="datetimeFigureOut">
               <a:rPr lang="en-US" smtClean="0"/>
-              <a:t>11/8/19</a:t>
+              <a:t>11/9/19</a:t>
             </a:fld>
             <a:endParaRPr lang="en-US"/>
           </a:p>
@@ -871,7 +871,7 @@
           <a:p>
             <a:fld id="{E1F5E2C2-3E2F-E344-A488-DA00C8D23224}" type="datetimeFigureOut">
               <a:rPr lang="en-US" smtClean="0"/>
-              <a:t>11/8/19</a:t>
+              <a:t>11/9/19</a:t>
             </a:fld>
             <a:endParaRPr lang="en-US"/>
           </a:p>
@@ -1147,7 +1147,7 @@
           <a:p>
             <a:fld id="{E1F5E2C2-3E2F-E344-A488-DA00C8D23224}" type="datetimeFigureOut">
               <a:rPr lang="en-US" smtClean="0"/>
-              <a:t>11/8/19</a:t>
+              <a:t>11/9/19</a:t>
             </a:fld>
             <a:endParaRPr lang="en-US"/>
           </a:p>
@@ -1415,7 +1415,7 @@
           <a:p>
             <a:fld id="{E1F5E2C2-3E2F-E344-A488-DA00C8D23224}" type="datetimeFigureOut">
               <a:rPr lang="en-US" smtClean="0"/>
-              <a:t>11/8/19</a:t>
+              <a:t>11/9/19</a:t>
             </a:fld>
             <a:endParaRPr lang="en-US"/>
           </a:p>
@@ -1830,7 +1830,7 @@
           <a:p>
             <a:fld id="{E1F5E2C2-3E2F-E344-A488-DA00C8D23224}" type="datetimeFigureOut">
               <a:rPr lang="en-US" smtClean="0"/>
-              <a:t>11/8/19</a:t>
+              <a:t>11/9/19</a:t>
             </a:fld>
             <a:endParaRPr lang="en-US"/>
           </a:p>
@@ -1972,7 +1972,7 @@
           <a:p>
             <a:fld id="{E1F5E2C2-3E2F-E344-A488-DA00C8D23224}" type="datetimeFigureOut">
               <a:rPr lang="en-US" smtClean="0"/>
-              <a:t>11/8/19</a:t>
+              <a:t>11/9/19</a:t>
             </a:fld>
             <a:endParaRPr lang="en-US"/>
           </a:p>
@@ -2085,7 +2085,7 @@
           <a:p>
             <a:fld id="{E1F5E2C2-3E2F-E344-A488-DA00C8D23224}" type="datetimeFigureOut">
               <a:rPr lang="en-US" smtClean="0"/>
-              <a:t>11/8/19</a:t>
+              <a:t>11/9/19</a:t>
             </a:fld>
             <a:endParaRPr lang="en-US"/>
           </a:p>
@@ -2398,7 +2398,7 @@
           <a:p>
             <a:fld id="{E1F5E2C2-3E2F-E344-A488-DA00C8D23224}" type="datetimeFigureOut">
               <a:rPr lang="en-US" smtClean="0"/>
-              <a:t>11/8/19</a:t>
+              <a:t>11/9/19</a:t>
             </a:fld>
             <a:endParaRPr lang="en-US"/>
           </a:p>
@@ -2687,7 +2687,7 @@
           <a:p>
             <a:fld id="{E1F5E2C2-3E2F-E344-A488-DA00C8D23224}" type="datetimeFigureOut">
               <a:rPr lang="en-US" smtClean="0"/>
-              <a:t>11/8/19</a:t>
+              <a:t>11/9/19</a:t>
             </a:fld>
             <a:endParaRPr lang="en-US"/>
           </a:p>
@@ -2930,7 +2930,7 @@
           <a:p>
             <a:fld id="{E1F5E2C2-3E2F-E344-A488-DA00C8D23224}" type="datetimeFigureOut">
               <a:rPr lang="en-US" smtClean="0"/>
-              <a:t>11/8/19</a:t>
+              <a:t>11/9/19</a:t>
             </a:fld>
             <a:endParaRPr lang="en-US"/>
           </a:p>
@@ -5301,7 +5301,7 @@
           <p:spPr>
             <a:xfrm>
               <a:off x="1308310" y="1819125"/>
-              <a:ext cx="1487715" cy="369332"/>
+              <a:ext cx="3175678" cy="369332"/>
             </a:xfrm>
             <a:prstGeom prst="rect">
               <a:avLst/>
@@ -5315,7 +5315,7 @@
             <a:p>
               <a:r>
                 <a:rPr lang="en-US" b="1" dirty="0"/>
-                <a:t>Bank Package</a:t>
+                <a:t>Logic, Command, Bank Package</a:t>
               </a:r>
               <a:endParaRPr lang="en-US" dirty="0"/>
             </a:p>
